--- a/11 - Model Interpretability/Interpretability part 1.pptx
+++ b/11 - Model Interpretability/Interpretability part 1.pptx
@@ -5,37 +5,35 @@
     <p:sldMasterId id="2147483648" r:id="rId1"/>
   </p:sldMasterIdLst>
   <p:notesMasterIdLst>
-    <p:notesMasterId r:id="rId30"/>
+    <p:notesMasterId r:id="rId28"/>
   </p:notesMasterIdLst>
   <p:sldIdLst>
     <p:sldId id="256" r:id="rId2"/>
-    <p:sldId id="497" r:id="rId3"/>
-    <p:sldId id="498" r:id="rId4"/>
-    <p:sldId id="318" r:id="rId5"/>
-    <p:sldId id="323" r:id="rId6"/>
-    <p:sldId id="259" r:id="rId7"/>
-    <p:sldId id="260" r:id="rId8"/>
-    <p:sldId id="261" r:id="rId9"/>
-    <p:sldId id="262" r:id="rId10"/>
-    <p:sldId id="263" r:id="rId11"/>
-    <p:sldId id="264" r:id="rId12"/>
-    <p:sldId id="265" r:id="rId13"/>
-    <p:sldId id="266" r:id="rId14"/>
-    <p:sldId id="267" r:id="rId15"/>
-    <p:sldId id="268" r:id="rId16"/>
-    <p:sldId id="269" r:id="rId17"/>
-    <p:sldId id="270" r:id="rId18"/>
-    <p:sldId id="271" r:id="rId19"/>
-    <p:sldId id="272" r:id="rId20"/>
-    <p:sldId id="273" r:id="rId21"/>
-    <p:sldId id="274" r:id="rId22"/>
-    <p:sldId id="275" r:id="rId23"/>
-    <p:sldId id="276" r:id="rId24"/>
-    <p:sldId id="277" r:id="rId25"/>
-    <p:sldId id="278" r:id="rId26"/>
-    <p:sldId id="279" r:id="rId27"/>
-    <p:sldId id="280" r:id="rId28"/>
-    <p:sldId id="499" r:id="rId29"/>
+    <p:sldId id="498" r:id="rId3"/>
+    <p:sldId id="318" r:id="rId4"/>
+    <p:sldId id="323" r:id="rId5"/>
+    <p:sldId id="259" r:id="rId6"/>
+    <p:sldId id="260" r:id="rId7"/>
+    <p:sldId id="261" r:id="rId8"/>
+    <p:sldId id="262" r:id="rId9"/>
+    <p:sldId id="263" r:id="rId10"/>
+    <p:sldId id="264" r:id="rId11"/>
+    <p:sldId id="265" r:id="rId12"/>
+    <p:sldId id="266" r:id="rId13"/>
+    <p:sldId id="267" r:id="rId14"/>
+    <p:sldId id="270" r:id="rId15"/>
+    <p:sldId id="271" r:id="rId16"/>
+    <p:sldId id="272" r:id="rId17"/>
+    <p:sldId id="273" r:id="rId18"/>
+    <p:sldId id="274" r:id="rId19"/>
+    <p:sldId id="275" r:id="rId20"/>
+    <p:sldId id="500" r:id="rId21"/>
+    <p:sldId id="276" r:id="rId22"/>
+    <p:sldId id="277" r:id="rId23"/>
+    <p:sldId id="278" r:id="rId24"/>
+    <p:sldId id="279" r:id="rId25"/>
+    <p:sldId id="280" r:id="rId26"/>
+    <p:sldId id="499" r:id="rId27"/>
   </p:sldIdLst>
   <p:sldSz cx="12192000" cy="6858000"/>
   <p:notesSz cx="6858000" cy="9144000"/>
@@ -269,8 +267,11 @@
     </a:lvl9pPr>
   </p:defaultTextStyle>
   <p:extLst>
+    <p:ext uri="{EFAFB233-063F-42B5-8137-9DF3F51BA10A}">
+      <p15:sldGuideLst xmlns:p15="http://schemas.microsoft.com/office/powerpoint/2012/main"/>
+    </p:ext>
     <p:ext uri="http://customooxmlschemas.google.com/">
-      <go:slidesCustomData xmlns:go="http://customooxmlschemas.google.com/" xmlns:p15="http://schemas.microsoft.com/office/powerpoint/2012/main" xmlns:p14="http://schemas.microsoft.com/office/powerpoint/2010/main" xmlns:com="http://schemas.openxmlformats.org/drawingml/2006/compatibility" xmlns:pvml="urn:schemas-microsoft-com:office:powerpoint" xmlns:v="urn:schemas-microsoft-com:vml" xmlns:o="urn:schemas-microsoft-com:office:office" xmlns:dgm="http://schemas.openxmlformats.org/drawingml/2006/diagram" xmlns:c="http://schemas.openxmlformats.org/drawingml/2006/chart" xmlns:mv="urn:schemas-microsoft-com:mac:vml" xmlns:mc="http://schemas.openxmlformats.org/markup-compatibility/2006" xmlns="" r:id="rId32" roundtripDataSignature="AMtx7mhE+28Dr6x2pr2JNXfuZKhsL7KtRg=="/>
+      <go:slidesCustomData xmlns="" xmlns:mc="http://schemas.openxmlformats.org/markup-compatibility/2006" xmlns:mv="urn:schemas-microsoft-com:mac:vml" xmlns:c="http://schemas.openxmlformats.org/drawingml/2006/chart" xmlns:dgm="http://schemas.openxmlformats.org/drawingml/2006/diagram" xmlns:o="urn:schemas-microsoft-com:office:office" xmlns:v="urn:schemas-microsoft-com:vml" xmlns:pvml="urn:schemas-microsoft-com:office:powerpoint" xmlns:com="http://schemas.openxmlformats.org/drawingml/2006/compatibility" xmlns:p14="http://schemas.microsoft.com/office/powerpoint/2010/main" xmlns:p15="http://schemas.microsoft.com/office/powerpoint/2012/main" xmlns:go="http://customooxmlschemas.google.com/" r:id="rId32" roundtripDataSignature="AMtx7mhE+28Dr6x2pr2JNXfuZKhsL7KtRg=="/>
     </p:ext>
   </p:extLst>
 </p:presentation>
@@ -6993,7 +6994,7 @@
             </a:pPr>
             <a:fld id="{00000000-1234-1234-1234-123412341234}" type="slidenum">
               <a:rPr lang="en-US"/>
-              <a:t>14</a:t>
+              <a:t>13</a:t>
             </a:fld>
             <a:endParaRPr/>
           </a:p>
@@ -7008,261 +7009,6 @@
 </file>
 
 <file path=ppt/notesSlides/notesSlide11.xml><?xml version="1.0" encoding="utf-8"?>
-<p:notes xmlns:a="http://schemas.openxmlformats.org/drawingml/2006/main" xmlns:r="http://schemas.openxmlformats.org/officeDocument/2006/relationships" xmlns:p="http://schemas.openxmlformats.org/presentationml/2006/main" showMasterSp="0" showMasterPhAnim="0">
-  <p:cSld>
-    <p:spTree>
-      <p:nvGrpSpPr>
-        <p:cNvPr id="1" name="Shape 110"/>
-        <p:cNvGrpSpPr/>
-        <p:nvPr/>
-      </p:nvGrpSpPr>
-      <p:grpSpPr>
-        <a:xfrm>
-          <a:off x="0" y="0"/>
-          <a:ext cx="0" cy="0"/>
-          <a:chOff x="0" y="0"/>
-          <a:chExt cx="0" cy="0"/>
-        </a:xfrm>
-      </p:grpSpPr>
-      <p:sp>
-        <p:nvSpPr>
-          <p:cNvPr id="111" name="Google Shape;111;p8:notes"/>
-          <p:cNvSpPr txBox="1">
-            <a:spLocks noGrp="1"/>
-          </p:cNvSpPr>
-          <p:nvPr>
-            <p:ph type="body" idx="1"/>
-          </p:nvPr>
-        </p:nvSpPr>
-        <p:spPr>
-          <a:xfrm>
-            <a:off x="685800" y="4400550"/>
-            <a:ext cx="5486400" cy="3600450"/>
-          </a:xfrm>
-          <a:prstGeom prst="rect">
-            <a:avLst/>
-          </a:prstGeom>
-        </p:spPr>
-        <p:txBody>
-          <a:bodyPr spcFirstLastPara="1" wrap="square" lIns="91425" tIns="45700" rIns="91425" bIns="45700" anchor="t" anchorCtr="0">
-            <a:noAutofit/>
-          </a:bodyPr>
-          <a:lstStyle/>
-          <a:p>
-            <a:pPr marL="0" lvl="0" indent="0" algn="l" rtl="0">
-              <a:spcBef>
-                <a:spcPts val="0"/>
-              </a:spcBef>
-              <a:spcAft>
-                <a:spcPts val="0"/>
-              </a:spcAft>
-              <a:buNone/>
-            </a:pPr>
-            <a:endParaRPr/>
-          </a:p>
-        </p:txBody>
-      </p:sp>
-      <p:sp>
-        <p:nvSpPr>
-          <p:cNvPr id="112" name="Google Shape;112;p8:notes"/>
-          <p:cNvSpPr>
-            <a:spLocks noGrp="1" noRot="1" noChangeAspect="1"/>
-          </p:cNvSpPr>
-          <p:nvPr>
-            <p:ph type="sldImg" idx="2"/>
-          </p:nvPr>
-        </p:nvSpPr>
-        <p:spPr>
-          <a:xfrm>
-            <a:off x="685800" y="1143000"/>
-            <a:ext cx="5486400" cy="3086100"/>
-          </a:xfrm>
-          <a:custGeom>
-            <a:avLst/>
-            <a:gdLst/>
-            <a:ahLst/>
-            <a:cxnLst/>
-            <a:rect l="l" t="t" r="r" b="b"/>
-            <a:pathLst>
-              <a:path w="120000" h="120000" extrusionOk="0">
-                <a:moveTo>
-                  <a:pt x="0" y="0"/>
-                </a:moveTo>
-                <a:lnTo>
-                  <a:pt x="120000" y="0"/>
-                </a:lnTo>
-                <a:lnTo>
-                  <a:pt x="120000" y="120000"/>
-                </a:lnTo>
-                <a:lnTo>
-                  <a:pt x="0" y="120000"/>
-                </a:lnTo>
-                <a:close/>
-              </a:path>
-            </a:pathLst>
-          </a:custGeom>
-        </p:spPr>
-      </p:sp>
-    </p:spTree>
-  </p:cSld>
-  <p:clrMapOvr>
-    <a:masterClrMapping/>
-  </p:clrMapOvr>
-</p:notes>
-</file>
-
-<file path=ppt/notesSlides/notesSlide12.xml><?xml version="1.0" encoding="utf-8"?>
-<p:notes xmlns:a="http://schemas.openxmlformats.org/drawingml/2006/main" xmlns:r="http://schemas.openxmlformats.org/officeDocument/2006/relationships" xmlns:p="http://schemas.openxmlformats.org/presentationml/2006/main" showMasterSp="0" showMasterPhAnim="0">
-  <p:cSld>
-    <p:spTree>
-      <p:nvGrpSpPr>
-        <p:cNvPr id="1" name="Shape 116"/>
-        <p:cNvGrpSpPr/>
-        <p:nvPr/>
-      </p:nvGrpSpPr>
-      <p:grpSpPr>
-        <a:xfrm>
-          <a:off x="0" y="0"/>
-          <a:ext cx="0" cy="0"/>
-          <a:chOff x="0" y="0"/>
-          <a:chExt cx="0" cy="0"/>
-        </a:xfrm>
-      </p:grpSpPr>
-      <p:sp>
-        <p:nvSpPr>
-          <p:cNvPr id="117" name="Google Shape;117;g71c382910d_0_6:notes"/>
-          <p:cNvSpPr>
-            <a:spLocks noGrp="1" noRot="1" noChangeAspect="1"/>
-          </p:cNvSpPr>
-          <p:nvPr>
-            <p:ph type="sldImg" idx="2"/>
-          </p:nvPr>
-        </p:nvSpPr>
-        <p:spPr>
-          <a:xfrm>
-            <a:off x="685800" y="1143000"/>
-            <a:ext cx="5486400" cy="3086100"/>
-          </a:xfrm>
-          <a:custGeom>
-            <a:avLst/>
-            <a:gdLst/>
-            <a:ahLst/>
-            <a:cxnLst/>
-            <a:rect l="l" t="t" r="r" b="b"/>
-            <a:pathLst>
-              <a:path w="120000" h="120000" extrusionOk="0">
-                <a:moveTo>
-                  <a:pt x="0" y="0"/>
-                </a:moveTo>
-                <a:lnTo>
-                  <a:pt x="120000" y="0"/>
-                </a:lnTo>
-                <a:lnTo>
-                  <a:pt x="120000" y="120000"/>
-                </a:lnTo>
-                <a:lnTo>
-                  <a:pt x="0" y="120000"/>
-                </a:lnTo>
-                <a:close/>
-              </a:path>
-            </a:pathLst>
-          </a:custGeom>
-        </p:spPr>
-      </p:sp>
-      <p:sp>
-        <p:nvSpPr>
-          <p:cNvPr id="118" name="Google Shape;118;g71c382910d_0_6:notes"/>
-          <p:cNvSpPr txBox="1">
-            <a:spLocks noGrp="1"/>
-          </p:cNvSpPr>
-          <p:nvPr>
-            <p:ph type="body" idx="1"/>
-          </p:nvPr>
-        </p:nvSpPr>
-        <p:spPr>
-          <a:xfrm>
-            <a:off x="685800" y="4400550"/>
-            <a:ext cx="5486400" cy="3600600"/>
-          </a:xfrm>
-          <a:prstGeom prst="rect">
-            <a:avLst/>
-          </a:prstGeom>
-        </p:spPr>
-        <p:txBody>
-          <a:bodyPr spcFirstLastPara="1" wrap="square" lIns="91425" tIns="45700" rIns="91425" bIns="45700" anchor="t" anchorCtr="0">
-            <a:noAutofit/>
-          </a:bodyPr>
-          <a:lstStyle/>
-          <a:p>
-            <a:pPr marL="0" lvl="0" indent="0" algn="l" rtl="0">
-              <a:spcBef>
-                <a:spcPts val="0"/>
-              </a:spcBef>
-              <a:spcAft>
-                <a:spcPts val="0"/>
-              </a:spcAft>
-              <a:buNone/>
-            </a:pPr>
-            <a:endParaRPr/>
-          </a:p>
-        </p:txBody>
-      </p:sp>
-      <p:sp>
-        <p:nvSpPr>
-          <p:cNvPr id="119" name="Google Shape;119;g71c382910d_0_6:notes"/>
-          <p:cNvSpPr txBox="1">
-            <a:spLocks noGrp="1"/>
-          </p:cNvSpPr>
-          <p:nvPr>
-            <p:ph type="sldNum" idx="12"/>
-          </p:nvPr>
-        </p:nvSpPr>
-        <p:spPr>
-          <a:xfrm>
-            <a:off x="3884613" y="8685213"/>
-            <a:ext cx="2971800" cy="458700"/>
-          </a:xfrm>
-          <a:prstGeom prst="rect">
-            <a:avLst/>
-          </a:prstGeom>
-        </p:spPr>
-        <p:txBody>
-          <a:bodyPr spcFirstLastPara="1" wrap="square" lIns="91425" tIns="45700" rIns="91425" bIns="45700" anchor="b" anchorCtr="0">
-            <a:noAutofit/>
-          </a:bodyPr>
-          <a:lstStyle/>
-          <a:p>
-            <a:pPr marL="0" lvl="0" indent="0" algn="r" rtl="0">
-              <a:spcBef>
-                <a:spcPts val="0"/>
-              </a:spcBef>
-              <a:spcAft>
-                <a:spcPts val="0"/>
-              </a:spcAft>
-              <a:buClr>
-                <a:srgbClr val="000000"/>
-              </a:buClr>
-              <a:buSzPts val="1200"/>
-              <a:buFont typeface="Arial"/>
-              <a:buNone/>
-            </a:pPr>
-            <a:fld id="{00000000-1234-1234-1234-123412341234}" type="slidenum">
-              <a:rPr lang="en-US"/>
-              <a:t>16</a:t>
-            </a:fld>
-            <a:endParaRPr/>
-          </a:p>
-        </p:txBody>
-      </p:sp>
-    </p:spTree>
-  </p:cSld>
-  <p:clrMapOvr>
-    <a:masterClrMapping/>
-  </p:clrMapOvr>
-</p:notes>
-</file>
-
-<file path=ppt/notesSlides/notesSlide13.xml><?xml version="1.0" encoding="utf-8"?>
 <p:notes xmlns:a="http://schemas.openxmlformats.org/drawingml/2006/main" xmlns:r="http://schemas.openxmlformats.org/officeDocument/2006/relationships" xmlns:p="http://schemas.openxmlformats.org/presentationml/2006/main" showMasterSp="0" showMasterPhAnim="0">
   <p:cSld>
     <p:spTree>
@@ -7366,7 +7112,7 @@
 </p:notes>
 </file>
 
-<file path=ppt/notesSlides/notesSlide14.xml><?xml version="1.0" encoding="utf-8"?>
+<file path=ppt/notesSlides/notesSlide12.xml><?xml version="1.0" encoding="utf-8"?>
 <p:notes xmlns:a="http://schemas.openxmlformats.org/drawingml/2006/main" xmlns:r="http://schemas.openxmlformats.org/officeDocument/2006/relationships" xmlns:p="http://schemas.openxmlformats.org/presentationml/2006/main" showMasterSp="0" showMasterPhAnim="0">
   <p:cSld>
     <p:spTree>
@@ -7470,7 +7216,7 @@
 </p:notes>
 </file>
 
-<file path=ppt/notesSlides/notesSlide15.xml><?xml version="1.0" encoding="utf-8"?>
+<file path=ppt/notesSlides/notesSlide13.xml><?xml version="1.0" encoding="utf-8"?>
 <p:notes xmlns:a="http://schemas.openxmlformats.org/drawingml/2006/main" xmlns:r="http://schemas.openxmlformats.org/officeDocument/2006/relationships" xmlns:p="http://schemas.openxmlformats.org/presentationml/2006/main" showMasterSp="0" showMasterPhAnim="0">
   <p:cSld>
     <p:spTree>
@@ -7574,7 +7320,7 @@
 </p:notes>
 </file>
 
-<file path=ppt/notesSlides/notesSlide16.xml><?xml version="1.0" encoding="utf-8"?>
+<file path=ppt/notesSlides/notesSlide14.xml><?xml version="1.0" encoding="utf-8"?>
 <p:notes xmlns:a="http://schemas.openxmlformats.org/drawingml/2006/main" xmlns:r="http://schemas.openxmlformats.org/officeDocument/2006/relationships" xmlns:p="http://schemas.openxmlformats.org/presentationml/2006/main" showMasterSp="0" showMasterPhAnim="0">
   <p:cSld>
     <p:spTree>
@@ -7678,7 +7424,7 @@
 </p:notes>
 </file>
 
-<file path=ppt/notesSlides/notesSlide17.xml><?xml version="1.0" encoding="utf-8"?>
+<file path=ppt/notesSlides/notesSlide15.xml><?xml version="1.0" encoding="utf-8"?>
 <p:notes xmlns:a="http://schemas.openxmlformats.org/drawingml/2006/main" xmlns:r="http://schemas.openxmlformats.org/officeDocument/2006/relationships" xmlns:p="http://schemas.openxmlformats.org/presentationml/2006/main" showMasterSp="0" showMasterPhAnim="0">
   <p:cSld>
     <p:spTree>
@@ -7782,7 +7528,7 @@
 </p:notes>
 </file>
 
-<file path=ppt/notesSlides/notesSlide18.xml><?xml version="1.0" encoding="utf-8"?>
+<file path=ppt/notesSlides/notesSlide16.xml><?xml version="1.0" encoding="utf-8"?>
 <p:notes xmlns:a="http://schemas.openxmlformats.org/drawingml/2006/main" xmlns:r="http://schemas.openxmlformats.org/officeDocument/2006/relationships" xmlns:p="http://schemas.openxmlformats.org/presentationml/2006/main" showMasterSp="0" showMasterPhAnim="0">
   <p:cSld>
     <p:spTree>
@@ -7886,7 +7632,7 @@
 </p:notes>
 </file>
 
-<file path=ppt/notesSlides/notesSlide19.xml><?xml version="1.0" encoding="utf-8"?>
+<file path=ppt/notesSlides/notesSlide17.xml><?xml version="1.0" encoding="utf-8"?>
 <p:notes xmlns:a="http://schemas.openxmlformats.org/drawingml/2006/main" xmlns:r="http://schemas.openxmlformats.org/officeDocument/2006/relationships" xmlns:p="http://schemas.openxmlformats.org/presentationml/2006/main" showMasterSp="0" showMasterPhAnim="0">
   <p:cSld>
     <p:spTree>
@@ -7944,6 +7690,214 @@
       <p:sp>
         <p:nvSpPr>
           <p:cNvPr id="169" name="Google Shape;169;p31:notes"/>
+          <p:cNvSpPr>
+            <a:spLocks noGrp="1" noRot="1" noChangeAspect="1"/>
+          </p:cNvSpPr>
+          <p:nvPr>
+            <p:ph type="sldImg" idx="2"/>
+          </p:nvPr>
+        </p:nvSpPr>
+        <p:spPr>
+          <a:xfrm>
+            <a:off x="685800" y="1143000"/>
+            <a:ext cx="5486400" cy="3086100"/>
+          </a:xfrm>
+          <a:custGeom>
+            <a:avLst/>
+            <a:gdLst/>
+            <a:ahLst/>
+            <a:cxnLst/>
+            <a:rect l="l" t="t" r="r" b="b"/>
+            <a:pathLst>
+              <a:path w="120000" h="120000" extrusionOk="0">
+                <a:moveTo>
+                  <a:pt x="0" y="0"/>
+                </a:moveTo>
+                <a:lnTo>
+                  <a:pt x="120000" y="0"/>
+                </a:lnTo>
+                <a:lnTo>
+                  <a:pt x="120000" y="120000"/>
+                </a:lnTo>
+                <a:lnTo>
+                  <a:pt x="0" y="120000"/>
+                </a:lnTo>
+                <a:close/>
+              </a:path>
+            </a:pathLst>
+          </a:custGeom>
+        </p:spPr>
+      </p:sp>
+    </p:spTree>
+  </p:cSld>
+  <p:clrMapOvr>
+    <a:masterClrMapping/>
+  </p:clrMapOvr>
+</p:notes>
+</file>
+
+<file path=ppt/notesSlides/notesSlide18.xml><?xml version="1.0" encoding="utf-8"?>
+<p:notes xmlns:a="http://schemas.openxmlformats.org/drawingml/2006/main" xmlns:r="http://schemas.openxmlformats.org/officeDocument/2006/relationships" xmlns:p="http://schemas.openxmlformats.org/presentationml/2006/main" showMasterSp="0" showMasterPhAnim="0">
+  <p:cSld>
+    <p:spTree>
+      <p:nvGrpSpPr>
+        <p:cNvPr id="1" name="Shape 173"/>
+        <p:cNvGrpSpPr/>
+        <p:nvPr/>
+      </p:nvGrpSpPr>
+      <p:grpSpPr>
+        <a:xfrm>
+          <a:off x="0" y="0"/>
+          <a:ext cx="0" cy="0"/>
+          <a:chOff x="0" y="0"/>
+          <a:chExt cx="0" cy="0"/>
+        </a:xfrm>
+      </p:grpSpPr>
+      <p:sp>
+        <p:nvSpPr>
+          <p:cNvPr id="174" name="Google Shape;174;p32:notes"/>
+          <p:cNvSpPr txBox="1">
+            <a:spLocks noGrp="1"/>
+          </p:cNvSpPr>
+          <p:nvPr>
+            <p:ph type="body" idx="1"/>
+          </p:nvPr>
+        </p:nvSpPr>
+        <p:spPr>
+          <a:xfrm>
+            <a:off x="685800" y="4400550"/>
+            <a:ext cx="5486400" cy="3600450"/>
+          </a:xfrm>
+          <a:prstGeom prst="rect">
+            <a:avLst/>
+          </a:prstGeom>
+        </p:spPr>
+        <p:txBody>
+          <a:bodyPr spcFirstLastPara="1" wrap="square" lIns="91425" tIns="45700" rIns="91425" bIns="45700" anchor="t" anchorCtr="0">
+            <a:noAutofit/>
+          </a:bodyPr>
+          <a:lstStyle/>
+          <a:p>
+            <a:pPr marL="0" lvl="0" indent="0" algn="l" rtl="0">
+              <a:spcBef>
+                <a:spcPts val="0"/>
+              </a:spcBef>
+              <a:spcAft>
+                <a:spcPts val="0"/>
+              </a:spcAft>
+              <a:buNone/>
+            </a:pPr>
+            <a:endParaRPr/>
+          </a:p>
+        </p:txBody>
+      </p:sp>
+      <p:sp>
+        <p:nvSpPr>
+          <p:cNvPr id="175" name="Google Shape;175;p32:notes"/>
+          <p:cNvSpPr>
+            <a:spLocks noGrp="1" noRot="1" noChangeAspect="1"/>
+          </p:cNvSpPr>
+          <p:nvPr>
+            <p:ph type="sldImg" idx="2"/>
+          </p:nvPr>
+        </p:nvSpPr>
+        <p:spPr>
+          <a:xfrm>
+            <a:off x="685800" y="1143000"/>
+            <a:ext cx="5486400" cy="3086100"/>
+          </a:xfrm>
+          <a:custGeom>
+            <a:avLst/>
+            <a:gdLst/>
+            <a:ahLst/>
+            <a:cxnLst/>
+            <a:rect l="l" t="t" r="r" b="b"/>
+            <a:pathLst>
+              <a:path w="120000" h="120000" extrusionOk="0">
+                <a:moveTo>
+                  <a:pt x="0" y="0"/>
+                </a:moveTo>
+                <a:lnTo>
+                  <a:pt x="120000" y="0"/>
+                </a:lnTo>
+                <a:lnTo>
+                  <a:pt x="120000" y="120000"/>
+                </a:lnTo>
+                <a:lnTo>
+                  <a:pt x="0" y="120000"/>
+                </a:lnTo>
+                <a:close/>
+              </a:path>
+            </a:pathLst>
+          </a:custGeom>
+        </p:spPr>
+      </p:sp>
+    </p:spTree>
+  </p:cSld>
+  <p:clrMapOvr>
+    <a:masterClrMapping/>
+  </p:clrMapOvr>
+</p:notes>
+</file>
+
+<file path=ppt/notesSlides/notesSlide19.xml><?xml version="1.0" encoding="utf-8"?>
+<p:notes xmlns:a="http://schemas.openxmlformats.org/drawingml/2006/main" xmlns:r="http://schemas.openxmlformats.org/officeDocument/2006/relationships" xmlns:p="http://schemas.openxmlformats.org/presentationml/2006/main" showMasterSp="0" showMasterPhAnim="0">
+  <p:cSld>
+    <p:spTree>
+      <p:nvGrpSpPr>
+        <p:cNvPr id="1" name="Shape 178"/>
+        <p:cNvGrpSpPr/>
+        <p:nvPr/>
+      </p:nvGrpSpPr>
+      <p:grpSpPr>
+        <a:xfrm>
+          <a:off x="0" y="0"/>
+          <a:ext cx="0" cy="0"/>
+          <a:chOff x="0" y="0"/>
+          <a:chExt cx="0" cy="0"/>
+        </a:xfrm>
+      </p:grpSpPr>
+      <p:sp>
+        <p:nvSpPr>
+          <p:cNvPr id="179" name="Google Shape;179;g72001f471e_0_19:notes"/>
+          <p:cNvSpPr txBox="1">
+            <a:spLocks noGrp="1"/>
+          </p:cNvSpPr>
+          <p:nvPr>
+            <p:ph type="body" idx="1"/>
+          </p:nvPr>
+        </p:nvSpPr>
+        <p:spPr>
+          <a:xfrm>
+            <a:off x="685800" y="4400550"/>
+            <a:ext cx="5486400" cy="3600600"/>
+          </a:xfrm>
+          <a:prstGeom prst="rect">
+            <a:avLst/>
+          </a:prstGeom>
+        </p:spPr>
+        <p:txBody>
+          <a:bodyPr spcFirstLastPara="1" wrap="square" lIns="91425" tIns="45700" rIns="91425" bIns="45700" anchor="t" anchorCtr="0">
+            <a:noAutofit/>
+          </a:bodyPr>
+          <a:lstStyle/>
+          <a:p>
+            <a:pPr marL="0" lvl="0" indent="0" algn="l" rtl="0">
+              <a:spcBef>
+                <a:spcPts val="0"/>
+              </a:spcBef>
+              <a:spcAft>
+                <a:spcPts val="0"/>
+              </a:spcAft>
+              <a:buNone/>
+            </a:pPr>
+            <a:endParaRPr/>
+          </a:p>
+        </p:txBody>
+      </p:sp>
+      <p:sp>
+        <p:nvSpPr>
+          <p:cNvPr id="180" name="Google Shape;180;g72001f471e_0_19:notes"/>
           <p:cNvSpPr>
             <a:spLocks noGrp="1" noRot="1" noChangeAspect="1"/>
           </p:cNvSpPr>
@@ -8099,214 +8053,6 @@
   <p:cSld>
     <p:spTree>
       <p:nvGrpSpPr>
-        <p:cNvPr id="1" name="Shape 173"/>
-        <p:cNvGrpSpPr/>
-        <p:nvPr/>
-      </p:nvGrpSpPr>
-      <p:grpSpPr>
-        <a:xfrm>
-          <a:off x="0" y="0"/>
-          <a:ext cx="0" cy="0"/>
-          <a:chOff x="0" y="0"/>
-          <a:chExt cx="0" cy="0"/>
-        </a:xfrm>
-      </p:grpSpPr>
-      <p:sp>
-        <p:nvSpPr>
-          <p:cNvPr id="174" name="Google Shape;174;p32:notes"/>
-          <p:cNvSpPr txBox="1">
-            <a:spLocks noGrp="1"/>
-          </p:cNvSpPr>
-          <p:nvPr>
-            <p:ph type="body" idx="1"/>
-          </p:nvPr>
-        </p:nvSpPr>
-        <p:spPr>
-          <a:xfrm>
-            <a:off x="685800" y="4400550"/>
-            <a:ext cx="5486400" cy="3600450"/>
-          </a:xfrm>
-          <a:prstGeom prst="rect">
-            <a:avLst/>
-          </a:prstGeom>
-        </p:spPr>
-        <p:txBody>
-          <a:bodyPr spcFirstLastPara="1" wrap="square" lIns="91425" tIns="45700" rIns="91425" bIns="45700" anchor="t" anchorCtr="0">
-            <a:noAutofit/>
-          </a:bodyPr>
-          <a:lstStyle/>
-          <a:p>
-            <a:pPr marL="0" lvl="0" indent="0" algn="l" rtl="0">
-              <a:spcBef>
-                <a:spcPts val="0"/>
-              </a:spcBef>
-              <a:spcAft>
-                <a:spcPts val="0"/>
-              </a:spcAft>
-              <a:buNone/>
-            </a:pPr>
-            <a:endParaRPr/>
-          </a:p>
-        </p:txBody>
-      </p:sp>
-      <p:sp>
-        <p:nvSpPr>
-          <p:cNvPr id="175" name="Google Shape;175;p32:notes"/>
-          <p:cNvSpPr>
-            <a:spLocks noGrp="1" noRot="1" noChangeAspect="1"/>
-          </p:cNvSpPr>
-          <p:nvPr>
-            <p:ph type="sldImg" idx="2"/>
-          </p:nvPr>
-        </p:nvSpPr>
-        <p:spPr>
-          <a:xfrm>
-            <a:off x="685800" y="1143000"/>
-            <a:ext cx="5486400" cy="3086100"/>
-          </a:xfrm>
-          <a:custGeom>
-            <a:avLst/>
-            <a:gdLst/>
-            <a:ahLst/>
-            <a:cxnLst/>
-            <a:rect l="l" t="t" r="r" b="b"/>
-            <a:pathLst>
-              <a:path w="120000" h="120000" extrusionOk="0">
-                <a:moveTo>
-                  <a:pt x="0" y="0"/>
-                </a:moveTo>
-                <a:lnTo>
-                  <a:pt x="120000" y="0"/>
-                </a:lnTo>
-                <a:lnTo>
-                  <a:pt x="120000" y="120000"/>
-                </a:lnTo>
-                <a:lnTo>
-                  <a:pt x="0" y="120000"/>
-                </a:lnTo>
-                <a:close/>
-              </a:path>
-            </a:pathLst>
-          </a:custGeom>
-        </p:spPr>
-      </p:sp>
-    </p:spTree>
-  </p:cSld>
-  <p:clrMapOvr>
-    <a:masterClrMapping/>
-  </p:clrMapOvr>
-</p:notes>
-</file>
-
-<file path=ppt/notesSlides/notesSlide21.xml><?xml version="1.0" encoding="utf-8"?>
-<p:notes xmlns:a="http://schemas.openxmlformats.org/drawingml/2006/main" xmlns:r="http://schemas.openxmlformats.org/officeDocument/2006/relationships" xmlns:p="http://schemas.openxmlformats.org/presentationml/2006/main" showMasterSp="0" showMasterPhAnim="0">
-  <p:cSld>
-    <p:spTree>
-      <p:nvGrpSpPr>
-        <p:cNvPr id="1" name="Shape 178"/>
-        <p:cNvGrpSpPr/>
-        <p:nvPr/>
-      </p:nvGrpSpPr>
-      <p:grpSpPr>
-        <a:xfrm>
-          <a:off x="0" y="0"/>
-          <a:ext cx="0" cy="0"/>
-          <a:chOff x="0" y="0"/>
-          <a:chExt cx="0" cy="0"/>
-        </a:xfrm>
-      </p:grpSpPr>
-      <p:sp>
-        <p:nvSpPr>
-          <p:cNvPr id="179" name="Google Shape;179;g72001f471e_0_19:notes"/>
-          <p:cNvSpPr txBox="1">
-            <a:spLocks noGrp="1"/>
-          </p:cNvSpPr>
-          <p:nvPr>
-            <p:ph type="body" idx="1"/>
-          </p:nvPr>
-        </p:nvSpPr>
-        <p:spPr>
-          <a:xfrm>
-            <a:off x="685800" y="4400550"/>
-            <a:ext cx="5486400" cy="3600600"/>
-          </a:xfrm>
-          <a:prstGeom prst="rect">
-            <a:avLst/>
-          </a:prstGeom>
-        </p:spPr>
-        <p:txBody>
-          <a:bodyPr spcFirstLastPara="1" wrap="square" lIns="91425" tIns="45700" rIns="91425" bIns="45700" anchor="t" anchorCtr="0">
-            <a:noAutofit/>
-          </a:bodyPr>
-          <a:lstStyle/>
-          <a:p>
-            <a:pPr marL="0" lvl="0" indent="0" algn="l" rtl="0">
-              <a:spcBef>
-                <a:spcPts val="0"/>
-              </a:spcBef>
-              <a:spcAft>
-                <a:spcPts val="0"/>
-              </a:spcAft>
-              <a:buNone/>
-            </a:pPr>
-            <a:endParaRPr/>
-          </a:p>
-        </p:txBody>
-      </p:sp>
-      <p:sp>
-        <p:nvSpPr>
-          <p:cNvPr id="180" name="Google Shape;180;g72001f471e_0_19:notes"/>
-          <p:cNvSpPr>
-            <a:spLocks noGrp="1" noRot="1" noChangeAspect="1"/>
-          </p:cNvSpPr>
-          <p:nvPr>
-            <p:ph type="sldImg" idx="2"/>
-          </p:nvPr>
-        </p:nvSpPr>
-        <p:spPr>
-          <a:xfrm>
-            <a:off x="685800" y="1143000"/>
-            <a:ext cx="5486400" cy="3086100"/>
-          </a:xfrm>
-          <a:custGeom>
-            <a:avLst/>
-            <a:gdLst/>
-            <a:ahLst/>
-            <a:cxnLst/>
-            <a:rect l="l" t="t" r="r" b="b"/>
-            <a:pathLst>
-              <a:path w="120000" h="120000" extrusionOk="0">
-                <a:moveTo>
-                  <a:pt x="0" y="0"/>
-                </a:moveTo>
-                <a:lnTo>
-                  <a:pt x="120000" y="0"/>
-                </a:lnTo>
-                <a:lnTo>
-                  <a:pt x="120000" y="120000"/>
-                </a:lnTo>
-                <a:lnTo>
-                  <a:pt x="0" y="120000"/>
-                </a:lnTo>
-                <a:close/>
-              </a:path>
-            </a:pathLst>
-          </a:custGeom>
-        </p:spPr>
-      </p:sp>
-    </p:spTree>
-  </p:cSld>
-  <p:clrMapOvr>
-    <a:masterClrMapping/>
-  </p:clrMapOvr>
-</p:notes>
-</file>
-
-<file path=ppt/notesSlides/notesSlide22.xml><?xml version="1.0" encoding="utf-8"?>
-<p:notes xmlns:a="http://schemas.openxmlformats.org/drawingml/2006/main" xmlns:r="http://schemas.openxmlformats.org/officeDocument/2006/relationships" xmlns:p="http://schemas.openxmlformats.org/presentationml/2006/main" showMasterSp="0" showMasterPhAnim="0">
-  <p:cSld>
-    <p:spTree>
-      <p:nvGrpSpPr>
         <p:cNvPr id="1" name="Shape 183"/>
         <p:cNvGrpSpPr/>
         <p:nvPr/>
@@ -8406,7 +8152,7 @@
 </p:notes>
 </file>
 
-<file path=ppt/notesSlides/notesSlide23.xml><?xml version="1.0" encoding="utf-8"?>
+<file path=ppt/notesSlides/notesSlide21.xml><?xml version="1.0" encoding="utf-8"?>
 <p:notes xmlns:a="http://schemas.openxmlformats.org/drawingml/2006/main" xmlns:r="http://schemas.openxmlformats.org/officeDocument/2006/relationships" xmlns:p="http://schemas.openxmlformats.org/presentationml/2006/main" showMasterSp="0" showMasterPhAnim="0">
   <p:cSld>
     <p:spTree>
@@ -14488,820 +14234,6 @@
   <p:cSld>
     <p:spTree>
       <p:nvGrpSpPr>
-        <p:cNvPr id="1" name="Shape 82"/>
-        <p:cNvGrpSpPr/>
-        <p:nvPr/>
-      </p:nvGrpSpPr>
-      <p:grpSpPr>
-        <a:xfrm>
-          <a:off x="0" y="0"/>
-          <a:ext cx="0" cy="0"/>
-          <a:chOff x="0" y="0"/>
-          <a:chExt cx="0" cy="0"/>
-        </a:xfrm>
-      </p:grpSpPr>
-      <p:sp>
-        <p:nvSpPr>
-          <p:cNvPr id="83" name="Google Shape;83;g71c82016f7_0_5"/>
-          <p:cNvSpPr txBox="1">
-            <a:spLocks noGrp="1"/>
-          </p:cNvSpPr>
-          <p:nvPr>
-            <p:ph type="title"/>
-          </p:nvPr>
-        </p:nvSpPr>
-        <p:spPr>
-          <a:xfrm>
-            <a:off x="415600" y="86563"/>
-            <a:ext cx="11360700" cy="763500"/>
-          </a:xfrm>
-          <a:prstGeom prst="rect">
-            <a:avLst/>
-          </a:prstGeom>
-          <a:noFill/>
-          <a:ln>
-            <a:noFill/>
-          </a:ln>
-        </p:spPr>
-        <p:txBody>
-          <a:bodyPr spcFirstLastPara="1" wrap="square" lIns="121900" tIns="121900" rIns="121900" bIns="121900" anchor="t" anchorCtr="0">
-            <a:noAutofit/>
-          </a:bodyPr>
-          <a:lstStyle/>
-          <a:p>
-            <a:pPr marL="0" lvl="0" indent="0" algn="l" rtl="0">
-              <a:lnSpc>
-                <a:spcPct val="100000"/>
-              </a:lnSpc>
-              <a:spcBef>
-                <a:spcPts val="0"/>
-              </a:spcBef>
-              <a:spcAft>
-                <a:spcPts val="0"/>
-              </a:spcAft>
-              <a:buClr>
-                <a:srgbClr val="FFFFFF"/>
-              </a:buClr>
-              <a:buSzPts val="3700"/>
-              <a:buNone/>
-            </a:pPr>
-            <a:r>
-              <a:rPr lang="en-US"/>
-              <a:t>Global Vs Local</a:t>
-            </a:r>
-            <a:endParaRPr/>
-          </a:p>
-        </p:txBody>
-      </p:sp>
-      <p:graphicFrame>
-        <p:nvGraphicFramePr>
-          <p:cNvPr id="84" name="Google Shape;84;g71c82016f7_0_5"/>
-          <p:cNvGraphicFramePr/>
-          <p:nvPr/>
-        </p:nvGraphicFramePr>
-        <p:xfrm>
-          <a:off x="263476" y="1762929"/>
-          <a:ext cx="11664950" cy="3173270"/>
-        </p:xfrm>
-        <a:graphic>
-          <a:graphicData uri="http://schemas.openxmlformats.org/drawingml/2006/table">
-            <a:tbl>
-              <a:tblPr firstRow="1" bandRow="1">
-                <a:noFill/>
-                <a:tableStyleId>{5A04CC6A-533F-41F1-990F-45FB056E221C}</a:tableStyleId>
-              </a:tblPr>
-              <a:tblGrid>
-                <a:gridCol w="2052875">
-                  <a:extLst>
-                    <a:ext uri="{9D8B030D-6E8A-4147-A177-3AD203B41FA5}">
-                      <a16:colId xmlns:a16="http://schemas.microsoft.com/office/drawing/2014/main" val="20000"/>
-                    </a:ext>
-                  </a:extLst>
-                </a:gridCol>
-                <a:gridCol w="3657600">
-                  <a:extLst>
-                    <a:ext uri="{9D8B030D-6E8A-4147-A177-3AD203B41FA5}">
-                      <a16:colId xmlns:a16="http://schemas.microsoft.com/office/drawing/2014/main" val="20001"/>
-                    </a:ext>
-                  </a:extLst>
-                </a:gridCol>
-                <a:gridCol w="3657600">
-                  <a:extLst>
-                    <a:ext uri="{9D8B030D-6E8A-4147-A177-3AD203B41FA5}">
-                      <a16:colId xmlns:a16="http://schemas.microsoft.com/office/drawing/2014/main" val="20002"/>
-                    </a:ext>
-                  </a:extLst>
-                </a:gridCol>
-                <a:gridCol w="2296875">
-                  <a:extLst>
-                    <a:ext uri="{9D8B030D-6E8A-4147-A177-3AD203B41FA5}">
-                      <a16:colId xmlns:a16="http://schemas.microsoft.com/office/drawing/2014/main" val="20003"/>
-                    </a:ext>
-                  </a:extLst>
-                </a:gridCol>
-              </a:tblGrid>
-              <a:tr h="494450">
-                <a:tc>
-                  <a:txBody>
-                    <a:bodyPr/>
-                    <a:lstStyle/>
-                    <a:p>
-                      <a:pPr marL="0" marR="0" lvl="0" indent="0" algn="l" rtl="0">
-                        <a:lnSpc>
-                          <a:spcPct val="100000"/>
-                        </a:lnSpc>
-                        <a:spcBef>
-                          <a:spcPts val="0"/>
-                        </a:spcBef>
-                        <a:spcAft>
-                          <a:spcPts val="0"/>
-                        </a:spcAft>
-                        <a:buNone/>
-                      </a:pPr>
-                      <a:r>
-                        <a:rPr lang="en-US" sz="2000" u="none" strike="noStrike" cap="none"/>
-                        <a:t>Use Case</a:t>
-                      </a:r>
-                      <a:endParaRPr/>
-                    </a:p>
-                  </a:txBody>
-                  <a:tcPr marL="121925" marR="121925" marT="60950" marB="60950"/>
-                </a:tc>
-                <a:tc>
-                  <a:txBody>
-                    <a:bodyPr/>
-                    <a:lstStyle/>
-                    <a:p>
-                      <a:pPr marL="0" marR="0" lvl="0" indent="0" algn="l" rtl="0">
-                        <a:lnSpc>
-                          <a:spcPct val="100000"/>
-                        </a:lnSpc>
-                        <a:spcBef>
-                          <a:spcPts val="0"/>
-                        </a:spcBef>
-                        <a:spcAft>
-                          <a:spcPts val="0"/>
-                        </a:spcAft>
-                        <a:buNone/>
-                      </a:pPr>
-                      <a:r>
-                        <a:rPr lang="en-US" sz="2000" u="none" strike="noStrike" cap="none"/>
-                        <a:t>User</a:t>
-                      </a:r>
-                      <a:endParaRPr/>
-                    </a:p>
-                  </a:txBody>
-                  <a:tcPr marL="121925" marR="121925" marT="60950" marB="60950"/>
-                </a:tc>
-                <a:tc>
-                  <a:txBody>
-                    <a:bodyPr/>
-                    <a:lstStyle/>
-                    <a:p>
-                      <a:pPr marL="0" marR="0" lvl="0" indent="0" algn="l" rtl="0">
-                        <a:lnSpc>
-                          <a:spcPct val="100000"/>
-                        </a:lnSpc>
-                        <a:spcBef>
-                          <a:spcPts val="0"/>
-                        </a:spcBef>
-                        <a:spcAft>
-                          <a:spcPts val="0"/>
-                        </a:spcAft>
-                        <a:buNone/>
-                      </a:pPr>
-                      <a:r>
-                        <a:rPr lang="en-US" sz="2000" u="none" strike="noStrike" cap="none"/>
-                        <a:t>Goal</a:t>
-                      </a:r>
-                      <a:endParaRPr/>
-                    </a:p>
-                  </a:txBody>
-                  <a:tcPr marL="121925" marR="121925" marT="60950" marB="60950"/>
-                </a:tc>
-                <a:tc>
-                  <a:txBody>
-                    <a:bodyPr/>
-                    <a:lstStyle/>
-                    <a:p>
-                      <a:pPr marL="0" marR="0" lvl="0" indent="0" algn="l" rtl="0">
-                        <a:lnSpc>
-                          <a:spcPct val="100000"/>
-                        </a:lnSpc>
-                        <a:spcBef>
-                          <a:spcPts val="0"/>
-                        </a:spcBef>
-                        <a:spcAft>
-                          <a:spcPts val="0"/>
-                        </a:spcAft>
-                        <a:buNone/>
-                      </a:pPr>
-                      <a:r>
-                        <a:rPr lang="en-US" sz="2000" u="none" strike="noStrike" cap="none"/>
-                        <a:t>Global or Local</a:t>
-                      </a:r>
-                      <a:endParaRPr/>
-                    </a:p>
-                  </a:txBody>
-                  <a:tcPr marL="121925" marR="121925" marT="60950" marB="60950"/>
-                </a:tc>
-                <a:extLst>
-                  <a:ext uri="{0D108BD9-81ED-4DB2-BD59-A6C34878D82A}">
-                    <a16:rowId xmlns:a16="http://schemas.microsoft.com/office/drawing/2014/main" val="10000"/>
-                  </a:ext>
-                </a:extLst>
-              </a:tr>
-              <a:tr h="494450">
-                <a:tc>
-                  <a:txBody>
-                    <a:bodyPr/>
-                    <a:lstStyle/>
-                    <a:p>
-                      <a:pPr marL="0" marR="0" lvl="0" indent="0" algn="l" rtl="0">
-                        <a:lnSpc>
-                          <a:spcPct val="100000"/>
-                        </a:lnSpc>
-                        <a:spcBef>
-                          <a:spcPts val="0"/>
-                        </a:spcBef>
-                        <a:spcAft>
-                          <a:spcPts val="0"/>
-                        </a:spcAft>
-                        <a:buNone/>
-                      </a:pPr>
-                      <a:r>
-                        <a:rPr lang="en-US" sz="1900" u="none" strike="noStrike" cap="none"/>
-                        <a:t>Debugging</a:t>
-                      </a:r>
-                      <a:endParaRPr/>
-                    </a:p>
-                  </a:txBody>
-                  <a:tcPr marL="121925" marR="121925" marT="60950" marB="60950"/>
-                </a:tc>
-                <a:tc>
-                  <a:txBody>
-                    <a:bodyPr/>
-                    <a:lstStyle/>
-                    <a:p>
-                      <a:pPr marL="0" marR="0" lvl="0" indent="0" algn="l" rtl="0">
-                        <a:lnSpc>
-                          <a:spcPct val="100000"/>
-                        </a:lnSpc>
-                        <a:spcBef>
-                          <a:spcPts val="0"/>
-                        </a:spcBef>
-                        <a:spcAft>
-                          <a:spcPts val="0"/>
-                        </a:spcAft>
-                        <a:buNone/>
-                      </a:pPr>
-                      <a:r>
-                        <a:rPr lang="en-US" sz="1900" u="none" strike="noStrike" cap="none"/>
-                        <a:t>ML Developer</a:t>
-                      </a:r>
-                      <a:endParaRPr/>
-                    </a:p>
-                  </a:txBody>
-                  <a:tcPr marL="121925" marR="121925" marT="60950" marB="60950"/>
-                </a:tc>
-                <a:tc>
-                  <a:txBody>
-                    <a:bodyPr/>
-                    <a:lstStyle/>
-                    <a:p>
-                      <a:pPr marL="0" marR="0" lvl="0" indent="0" algn="l" rtl="0">
-                        <a:lnSpc>
-                          <a:spcPct val="100000"/>
-                        </a:lnSpc>
-                        <a:spcBef>
-                          <a:spcPts val="0"/>
-                        </a:spcBef>
-                        <a:spcAft>
-                          <a:spcPts val="0"/>
-                        </a:spcAft>
-                        <a:buNone/>
-                      </a:pPr>
-                      <a:r>
-                        <a:rPr lang="en-US" sz="1900" u="none" strike="noStrike" cap="none"/>
-                        <a:t>Sanity check</a:t>
-                      </a:r>
-                      <a:endParaRPr/>
-                    </a:p>
-                  </a:txBody>
-                  <a:tcPr marL="121925" marR="121925" marT="60950" marB="60950"/>
-                </a:tc>
-                <a:tc>
-                  <a:txBody>
-                    <a:bodyPr/>
-                    <a:lstStyle/>
-                    <a:p>
-                      <a:pPr marL="0" marR="0" lvl="0" indent="0" algn="l" rtl="0">
-                        <a:lnSpc>
-                          <a:spcPct val="100000"/>
-                        </a:lnSpc>
-                        <a:spcBef>
-                          <a:spcPts val="0"/>
-                        </a:spcBef>
-                        <a:spcAft>
-                          <a:spcPts val="0"/>
-                        </a:spcAft>
-                        <a:buNone/>
-                      </a:pPr>
-                      <a:r>
-                        <a:rPr lang="en-US" sz="1900" u="none" strike="noStrike" cap="none"/>
-                        <a:t>Both</a:t>
-                      </a:r>
-                      <a:endParaRPr/>
-                    </a:p>
-                  </a:txBody>
-                  <a:tcPr marL="121925" marR="121925" marT="60950" marB="60950"/>
-                </a:tc>
-                <a:extLst>
-                  <a:ext uri="{0D108BD9-81ED-4DB2-BD59-A6C34878D82A}">
-                    <a16:rowId xmlns:a16="http://schemas.microsoft.com/office/drawing/2014/main" val="10001"/>
-                  </a:ext>
-                </a:extLst>
-              </a:tr>
-              <a:tr h="690875">
-                <a:tc>
-                  <a:txBody>
-                    <a:bodyPr/>
-                    <a:lstStyle/>
-                    <a:p>
-                      <a:pPr marL="0" marR="0" lvl="0" indent="0" algn="l" rtl="0">
-                        <a:lnSpc>
-                          <a:spcPct val="100000"/>
-                        </a:lnSpc>
-                        <a:spcBef>
-                          <a:spcPts val="0"/>
-                        </a:spcBef>
-                        <a:spcAft>
-                          <a:spcPts val="0"/>
-                        </a:spcAft>
-                        <a:buNone/>
-                      </a:pPr>
-                      <a:r>
-                        <a:rPr lang="en-US" sz="1900" u="none" strike="noStrike" cap="none"/>
-                        <a:t>Improving performance</a:t>
-                      </a:r>
-                      <a:endParaRPr/>
-                    </a:p>
-                  </a:txBody>
-                  <a:tcPr marL="121925" marR="121925" marT="60950" marB="60950"/>
-                </a:tc>
-                <a:tc>
-                  <a:txBody>
-                    <a:bodyPr/>
-                    <a:lstStyle/>
-                    <a:p>
-                      <a:pPr marL="0" marR="0" lvl="0" indent="0" algn="l" rtl="0">
-                        <a:lnSpc>
-                          <a:spcPct val="100000"/>
-                        </a:lnSpc>
-                        <a:spcBef>
-                          <a:spcPts val="0"/>
-                        </a:spcBef>
-                        <a:spcAft>
-                          <a:spcPts val="0"/>
-                        </a:spcAft>
-                        <a:buNone/>
-                      </a:pPr>
-                      <a:r>
-                        <a:rPr lang="en-US" sz="1900" u="none" strike="noStrike" cap="none"/>
-                        <a:t>Action-</a:t>
-                      </a:r>
-                      <a:endParaRPr/>
-                    </a:p>
-                    <a:p>
-                      <a:pPr marL="0" marR="0" lvl="0" indent="0" algn="l" rtl="0">
-                        <a:lnSpc>
-                          <a:spcPct val="100000"/>
-                        </a:lnSpc>
-                        <a:spcBef>
-                          <a:spcPts val="0"/>
-                        </a:spcBef>
-                        <a:spcAft>
-                          <a:spcPts val="0"/>
-                        </a:spcAft>
-                        <a:buNone/>
-                      </a:pPr>
-                      <a:r>
-                        <a:rPr lang="en-US" sz="1900" u="none" strike="noStrike" cap="none"/>
-                        <a:t>taker</a:t>
-                      </a:r>
-                      <a:endParaRPr/>
-                    </a:p>
-                  </a:txBody>
-                  <a:tcPr marL="121925" marR="121925" marT="60950" marB="60950"/>
-                </a:tc>
-                <a:tc>
-                  <a:txBody>
-                    <a:bodyPr/>
-                    <a:lstStyle/>
-                    <a:p>
-                      <a:pPr marL="0" marR="0" lvl="0" indent="0" algn="l" rtl="0">
-                        <a:lnSpc>
-                          <a:spcPct val="100000"/>
-                        </a:lnSpc>
-                        <a:spcBef>
-                          <a:spcPts val="0"/>
-                        </a:spcBef>
-                        <a:spcAft>
-                          <a:spcPts val="0"/>
-                        </a:spcAft>
-                        <a:buNone/>
-                      </a:pPr>
-                      <a:r>
-                        <a:rPr lang="en-US" sz="1900" u="none" strike="noStrike" cap="none"/>
-                        <a:t>Decide to agree or override</a:t>
-                      </a:r>
-                      <a:endParaRPr/>
-                    </a:p>
-                  </a:txBody>
-                  <a:tcPr marL="121925" marR="121925" marT="60950" marB="60950"/>
-                </a:tc>
-                <a:tc>
-                  <a:txBody>
-                    <a:bodyPr/>
-                    <a:lstStyle/>
-                    <a:p>
-                      <a:pPr marL="0" marR="0" lvl="0" indent="0" algn="l" rtl="0">
-                        <a:lnSpc>
-                          <a:spcPct val="100000"/>
-                        </a:lnSpc>
-                        <a:spcBef>
-                          <a:spcPts val="0"/>
-                        </a:spcBef>
-                        <a:spcAft>
-                          <a:spcPts val="0"/>
-                        </a:spcAft>
-                        <a:buNone/>
-                      </a:pPr>
-                      <a:r>
-                        <a:rPr lang="en-US" sz="1900" u="none" strike="noStrike" cap="none"/>
-                        <a:t>Local</a:t>
-                      </a:r>
-                      <a:endParaRPr/>
-                    </a:p>
-                  </a:txBody>
-                  <a:tcPr marL="121925" marR="121925" marT="60950" marB="60950"/>
-                </a:tc>
-                <a:extLst>
-                  <a:ext uri="{0D108BD9-81ED-4DB2-BD59-A6C34878D82A}">
-                    <a16:rowId xmlns:a16="http://schemas.microsoft.com/office/drawing/2014/main" val="10002"/>
-                  </a:ext>
-                </a:extLst>
-              </a:tr>
-              <a:tr h="494450">
-                <a:tc>
-                  <a:txBody>
-                    <a:bodyPr/>
-                    <a:lstStyle/>
-                    <a:p>
-                      <a:pPr marL="0" marR="0" lvl="0" indent="0" algn="l" rtl="0">
-                        <a:lnSpc>
-                          <a:spcPct val="100000"/>
-                        </a:lnSpc>
-                        <a:spcBef>
-                          <a:spcPts val="0"/>
-                        </a:spcBef>
-                        <a:spcAft>
-                          <a:spcPts val="0"/>
-                        </a:spcAft>
-                        <a:buNone/>
-                      </a:pPr>
-                      <a:r>
-                        <a:rPr lang="en-US" sz="1900" u="none" strike="noStrike" cap="none"/>
-                        <a:t>Trust</a:t>
-                      </a:r>
-                      <a:endParaRPr/>
-                    </a:p>
-                  </a:txBody>
-                  <a:tcPr marL="121925" marR="121925" marT="60950" marB="60950"/>
-                </a:tc>
-                <a:tc>
-                  <a:txBody>
-                    <a:bodyPr/>
-                    <a:lstStyle/>
-                    <a:p>
-                      <a:pPr marL="0" marR="0" lvl="0" indent="0" algn="l" rtl="0">
-                        <a:lnSpc>
-                          <a:spcPct val="100000"/>
-                        </a:lnSpc>
-                        <a:spcBef>
-                          <a:spcPts val="0"/>
-                        </a:spcBef>
-                        <a:spcAft>
-                          <a:spcPts val="0"/>
-                        </a:spcAft>
-                        <a:buNone/>
-                      </a:pPr>
-                      <a:r>
-                        <a:rPr lang="en-US" sz="1900" u="none" strike="noStrike" cap="none"/>
-                        <a:t>Policymaker/Action-Taker</a:t>
-                      </a:r>
-                      <a:endParaRPr/>
-                    </a:p>
-                  </a:txBody>
-                  <a:tcPr marL="121925" marR="121925" marT="60950" marB="60950"/>
-                </a:tc>
-                <a:tc>
-                  <a:txBody>
-                    <a:bodyPr/>
-                    <a:lstStyle/>
-                    <a:p>
-                      <a:pPr marL="0" marR="0" lvl="0" indent="0" algn="l" rtl="0">
-                        <a:lnSpc>
-                          <a:spcPct val="100000"/>
-                        </a:lnSpc>
-                        <a:spcBef>
-                          <a:spcPts val="0"/>
-                        </a:spcBef>
-                        <a:spcAft>
-                          <a:spcPts val="0"/>
-                        </a:spcAft>
-                        <a:buNone/>
-                      </a:pPr>
-                      <a:r>
-                        <a:rPr lang="en-US" sz="1900"/>
-                        <a:t>Model use =&gt; better outcomes</a:t>
-                      </a:r>
-                      <a:endParaRPr sz="1900" u="none" strike="noStrike" cap="none"/>
-                    </a:p>
-                  </a:txBody>
-                  <a:tcPr marL="121925" marR="121925" marT="60950" marB="60950"/>
-                </a:tc>
-                <a:tc>
-                  <a:txBody>
-                    <a:bodyPr/>
-                    <a:lstStyle/>
-                    <a:p>
-                      <a:pPr marL="0" marR="0" lvl="0" indent="0" algn="l" rtl="0">
-                        <a:lnSpc>
-                          <a:spcPct val="100000"/>
-                        </a:lnSpc>
-                        <a:spcBef>
-                          <a:spcPts val="0"/>
-                        </a:spcBef>
-                        <a:spcAft>
-                          <a:spcPts val="0"/>
-                        </a:spcAft>
-                        <a:buNone/>
-                      </a:pPr>
-                      <a:r>
-                        <a:rPr lang="en-US" sz="1900" u="none" strike="noStrike" cap="none"/>
-                        <a:t>Both</a:t>
-                      </a:r>
-                      <a:endParaRPr/>
-                    </a:p>
-                  </a:txBody>
-                  <a:tcPr marL="121925" marR="121925" marT="60950" marB="60950"/>
-                </a:tc>
-                <a:extLst>
-                  <a:ext uri="{0D108BD9-81ED-4DB2-BD59-A6C34878D82A}">
-                    <a16:rowId xmlns:a16="http://schemas.microsoft.com/office/drawing/2014/main" val="10003"/>
-                  </a:ext>
-                </a:extLst>
-              </a:tr>
-              <a:tr h="494450">
-                <a:tc>
-                  <a:txBody>
-                    <a:bodyPr/>
-                    <a:lstStyle/>
-                    <a:p>
-                      <a:pPr marL="0" marR="0" lvl="0" indent="0" algn="l" rtl="0">
-                        <a:lnSpc>
-                          <a:spcPct val="100000"/>
-                        </a:lnSpc>
-                        <a:spcBef>
-                          <a:spcPts val="0"/>
-                        </a:spcBef>
-                        <a:spcAft>
-                          <a:spcPts val="0"/>
-                        </a:spcAft>
-                        <a:buNone/>
-                      </a:pPr>
-                      <a:r>
-                        <a:rPr lang="en-US" sz="1900" u="none" strike="noStrike" cap="none"/>
-                        <a:t>Interventions</a:t>
-                      </a:r>
-                      <a:endParaRPr/>
-                    </a:p>
-                  </a:txBody>
-                  <a:tcPr marL="121925" marR="121925" marT="60950" marB="60950"/>
-                </a:tc>
-                <a:tc>
-                  <a:txBody>
-                    <a:bodyPr/>
-                    <a:lstStyle/>
-                    <a:p>
-                      <a:pPr marL="0" marR="0" lvl="0" indent="0" algn="l" rtl="0">
-                        <a:lnSpc>
-                          <a:spcPct val="100000"/>
-                        </a:lnSpc>
-                        <a:spcBef>
-                          <a:spcPts val="0"/>
-                        </a:spcBef>
-                        <a:spcAft>
-                          <a:spcPts val="0"/>
-                        </a:spcAft>
-                        <a:buNone/>
-                      </a:pPr>
-                      <a:r>
-                        <a:rPr lang="en-US" sz="1900" u="none" strike="noStrike" cap="none"/>
-                        <a:t>Action-Taker</a:t>
-                      </a:r>
-                      <a:endParaRPr/>
-                    </a:p>
-                  </a:txBody>
-                  <a:tcPr marL="121925" marR="121925" marT="60950" marB="60950"/>
-                </a:tc>
-                <a:tc>
-                  <a:txBody>
-                    <a:bodyPr/>
-                    <a:lstStyle/>
-                    <a:p>
-                      <a:pPr marL="0" marR="0" lvl="0" indent="0" algn="l" rtl="0">
-                        <a:lnSpc>
-                          <a:spcPct val="100000"/>
-                        </a:lnSpc>
-                        <a:spcBef>
-                          <a:spcPts val="0"/>
-                        </a:spcBef>
-                        <a:spcAft>
-                          <a:spcPts val="0"/>
-                        </a:spcAft>
-                        <a:buNone/>
-                      </a:pPr>
-                      <a:r>
-                        <a:rPr lang="en-US" sz="1900"/>
-                        <a:t>Improve outcomes</a:t>
-                      </a:r>
-                      <a:endParaRPr sz="1900" u="none" strike="noStrike" cap="none"/>
-                    </a:p>
-                  </a:txBody>
-                  <a:tcPr marL="121925" marR="121925" marT="60950" marB="60950"/>
-                </a:tc>
-                <a:tc>
-                  <a:txBody>
-                    <a:bodyPr/>
-                    <a:lstStyle/>
-                    <a:p>
-                      <a:pPr marL="0" marR="0" lvl="0" indent="0" algn="l" rtl="0">
-                        <a:lnSpc>
-                          <a:spcPct val="100000"/>
-                        </a:lnSpc>
-                        <a:spcBef>
-                          <a:spcPts val="0"/>
-                        </a:spcBef>
-                        <a:spcAft>
-                          <a:spcPts val="0"/>
-                        </a:spcAft>
-                        <a:buNone/>
-                      </a:pPr>
-                      <a:r>
-                        <a:rPr lang="en-US" sz="1900" u="none" strike="noStrike" cap="none"/>
-                        <a:t>Local</a:t>
-                      </a:r>
-                      <a:endParaRPr/>
-                    </a:p>
-                  </a:txBody>
-                  <a:tcPr marL="121925" marR="121925" marT="60950" marB="60950"/>
-                </a:tc>
-                <a:extLst>
-                  <a:ext uri="{0D108BD9-81ED-4DB2-BD59-A6C34878D82A}">
-                    <a16:rowId xmlns:a16="http://schemas.microsoft.com/office/drawing/2014/main" val="10004"/>
-                  </a:ext>
-                </a:extLst>
-              </a:tr>
-              <a:tr h="494450">
-                <a:tc>
-                  <a:txBody>
-                    <a:bodyPr/>
-                    <a:lstStyle/>
-                    <a:p>
-                      <a:pPr marL="0" marR="0" lvl="0" indent="0" algn="l" rtl="0">
-                        <a:lnSpc>
-                          <a:spcPct val="100000"/>
-                        </a:lnSpc>
-                        <a:spcBef>
-                          <a:spcPts val="0"/>
-                        </a:spcBef>
-                        <a:spcAft>
-                          <a:spcPts val="0"/>
-                        </a:spcAft>
-                        <a:buNone/>
-                      </a:pPr>
-                      <a:r>
-                        <a:rPr lang="en-US" sz="1900" u="none" strike="noStrike" cap="none"/>
-                        <a:t>Recourse</a:t>
-                      </a:r>
-                      <a:endParaRPr/>
-                    </a:p>
-                  </a:txBody>
-                  <a:tcPr marL="121925" marR="121925" marT="60950" marB="60950"/>
-                </a:tc>
-                <a:tc>
-                  <a:txBody>
-                    <a:bodyPr/>
-                    <a:lstStyle/>
-                    <a:p>
-                      <a:pPr marL="0" marR="0" lvl="0" indent="0" algn="l" rtl="0">
-                        <a:lnSpc>
-                          <a:spcPct val="100000"/>
-                        </a:lnSpc>
-                        <a:spcBef>
-                          <a:spcPts val="0"/>
-                        </a:spcBef>
-                        <a:spcAft>
-                          <a:spcPts val="0"/>
-                        </a:spcAft>
-                        <a:buNone/>
-                      </a:pPr>
-                      <a:r>
-                        <a:rPr lang="en-US" sz="1900" u="none" strike="noStrike" cap="none"/>
-                        <a:t>Individual affected</a:t>
-                      </a:r>
-                      <a:endParaRPr/>
-                    </a:p>
-                  </a:txBody>
-                  <a:tcPr marL="121925" marR="121925" marT="60950" marB="60950"/>
-                </a:tc>
-                <a:tc>
-                  <a:txBody>
-                    <a:bodyPr/>
-                    <a:lstStyle/>
-                    <a:p>
-                      <a:pPr marL="0" marR="0" lvl="0" indent="0" algn="l" rtl="0">
-                        <a:lnSpc>
-                          <a:spcPct val="100000"/>
-                        </a:lnSpc>
-                        <a:spcBef>
-                          <a:spcPts val="0"/>
-                        </a:spcBef>
-                        <a:spcAft>
-                          <a:spcPts val="0"/>
-                        </a:spcAft>
-                        <a:buNone/>
-                      </a:pPr>
-                      <a:r>
-                        <a:rPr lang="en-US" sz="1900" u="none" strike="noStrike" cap="none"/>
-                        <a:t>Recourse</a:t>
-                      </a:r>
-                      <a:endParaRPr/>
-                    </a:p>
-                  </a:txBody>
-                  <a:tcPr marL="121925" marR="121925" marT="60950" marB="60950"/>
-                </a:tc>
-                <a:tc>
-                  <a:txBody>
-                    <a:bodyPr/>
-                    <a:lstStyle/>
-                    <a:p>
-                      <a:pPr marL="0" marR="0" lvl="0" indent="0" algn="l" rtl="0">
-                        <a:lnSpc>
-                          <a:spcPct val="100000"/>
-                        </a:lnSpc>
-                        <a:spcBef>
-                          <a:spcPts val="0"/>
-                        </a:spcBef>
-                        <a:spcAft>
-                          <a:spcPts val="0"/>
-                        </a:spcAft>
-                        <a:buNone/>
-                      </a:pPr>
-                      <a:r>
-                        <a:rPr lang="en-US" sz="1900" u="none" strike="noStrike" cap="none"/>
-                        <a:t>Local</a:t>
-                      </a:r>
-                      <a:endParaRPr/>
-                    </a:p>
-                  </a:txBody>
-                  <a:tcPr marL="121925" marR="121925" marT="60950" marB="60950"/>
-                </a:tc>
-                <a:extLst>
-                  <a:ext uri="{0D108BD9-81ED-4DB2-BD59-A6C34878D82A}">
-                    <a16:rowId xmlns:a16="http://schemas.microsoft.com/office/drawing/2014/main" val="10005"/>
-                  </a:ext>
-                </a:extLst>
-              </a:tr>
-            </a:tbl>
-          </a:graphicData>
-        </a:graphic>
-      </p:graphicFrame>
-    </p:spTree>
-  </p:cSld>
-  <p:clrMapOvr>
-    <a:masterClrMapping/>
-  </p:clrMapOvr>
-</p:sld>
-</file>
-
-<file path=ppt/slides/slide11.xml><?xml version="1.0" encoding="utf-8"?>
-<p:sld xmlns:a="http://schemas.openxmlformats.org/drawingml/2006/main" xmlns:r="http://schemas.openxmlformats.org/officeDocument/2006/relationships" xmlns:p="http://schemas.openxmlformats.org/presentationml/2006/main">
-  <p:cSld>
-    <p:spTree>
-      <p:nvGrpSpPr>
         <p:cNvPr id="1" name="Shape 88"/>
         <p:cNvGrpSpPr/>
         <p:nvPr/>
@@ -15424,7 +14356,7 @@
 </p:sld>
 </file>
 
-<file path=ppt/slides/slide12.xml><?xml version="1.0" encoding="utf-8"?>
+<file path=ppt/slides/slide11.xml><?xml version="1.0" encoding="utf-8"?>
 <p:sld xmlns:a="http://schemas.openxmlformats.org/drawingml/2006/main" xmlns:r="http://schemas.openxmlformats.org/officeDocument/2006/relationships" xmlns:p="http://schemas.openxmlformats.org/presentationml/2006/main">
   <p:cSld>
     <p:spTree>
@@ -15704,7 +14636,7 @@
 </p:sld>
 </file>
 
-<file path=ppt/slides/slide13.xml><?xml version="1.0" encoding="utf-8"?>
+<file path=ppt/slides/slide12.xml><?xml version="1.0" encoding="utf-8"?>
 <p:sld xmlns:a="http://schemas.openxmlformats.org/drawingml/2006/main" xmlns:r="http://schemas.openxmlformats.org/officeDocument/2006/relationships" xmlns:p="http://schemas.openxmlformats.org/presentationml/2006/main">
   <p:cSld>
     <p:spTree>
@@ -15820,10 +14752,10 @@
               <a:buChar char="●"/>
             </a:pPr>
             <a:r>
-              <a:rPr lang="en-US"/>
+              <a:rPr lang="en-US" dirty="0"/>
               <a:t>Decision Trees</a:t>
             </a:r>
-            <a:endParaRPr/>
+            <a:endParaRPr dirty="0"/>
           </a:p>
           <a:p>
             <a:pPr marL="457200" lvl="0" indent="-381000" algn="l" rtl="0">
@@ -15843,10 +14775,10 @@
               <a:buChar char="●"/>
             </a:pPr>
             <a:r>
-              <a:rPr lang="en-US"/>
+              <a:rPr lang="en-US" dirty="0"/>
               <a:t>KNN</a:t>
             </a:r>
-            <a:endParaRPr/>
+            <a:endParaRPr dirty="0"/>
           </a:p>
           <a:p>
             <a:pPr marL="457200" lvl="0" indent="-381000" algn="l" rtl="0">
@@ -15866,10 +14798,10 @@
               <a:buChar char="●"/>
             </a:pPr>
             <a:r>
-              <a:rPr lang="en-US"/>
+              <a:rPr lang="en-US" dirty="0"/>
               <a:t>SVMs</a:t>
             </a:r>
-            <a:endParaRPr/>
+            <a:endParaRPr dirty="0"/>
           </a:p>
           <a:p>
             <a:pPr marL="457200" lvl="0" indent="-381000" algn="l" rtl="0">
@@ -15889,10 +14821,10 @@
               <a:buChar char="●"/>
             </a:pPr>
             <a:r>
-              <a:rPr lang="en-US"/>
+              <a:rPr lang="en-US" dirty="0"/>
               <a:t>RFs</a:t>
             </a:r>
-            <a:endParaRPr/>
+            <a:endParaRPr dirty="0"/>
           </a:p>
           <a:p>
             <a:pPr marL="457200" lvl="0" indent="-381000" algn="l" rtl="0">
@@ -15912,10 +14844,10 @@
               <a:buChar char="●"/>
             </a:pPr>
             <a:r>
-              <a:rPr lang="en-US"/>
+              <a:rPr lang="en-US" dirty="0"/>
               <a:t>NNs</a:t>
             </a:r>
-            <a:endParaRPr/>
+            <a:endParaRPr dirty="0"/>
           </a:p>
         </p:txBody>
       </p:sp>
@@ -15927,7 +14859,7 @@
 </p:sld>
 </file>
 
-<file path=ppt/slides/slide14.xml><?xml version="1.0" encoding="utf-8"?>
+<file path=ppt/slides/slide13.xml><?xml version="1.0" encoding="utf-8"?>
 <p:sld xmlns:a="http://schemas.openxmlformats.org/drawingml/2006/main" xmlns:r="http://schemas.openxmlformats.org/officeDocument/2006/relationships" xmlns:p="http://schemas.openxmlformats.org/presentationml/2006/main">
   <p:cSld>
     <p:spTree>
@@ -16032,348 +14964,7 @@
 </p:sld>
 </file>
 
-<file path=ppt/slides/slide15.xml><?xml version="1.0" encoding="utf-8"?>
-<p:sld xmlns:a="http://schemas.openxmlformats.org/drawingml/2006/main" xmlns:r="http://schemas.openxmlformats.org/officeDocument/2006/relationships" xmlns:p="http://schemas.openxmlformats.org/presentationml/2006/main">
-  <p:cSld>
-    <p:spTree>
-      <p:nvGrpSpPr>
-        <p:cNvPr id="1" name="Shape 113"/>
-        <p:cNvGrpSpPr/>
-        <p:nvPr/>
-      </p:nvGrpSpPr>
-      <p:grpSpPr>
-        <a:xfrm>
-          <a:off x="0" y="0"/>
-          <a:ext cx="0" cy="0"/>
-          <a:chOff x="0" y="0"/>
-          <a:chExt cx="0" cy="0"/>
-        </a:xfrm>
-      </p:grpSpPr>
-      <p:sp>
-        <p:nvSpPr>
-          <p:cNvPr id="114" name="Google Shape;114;p8"/>
-          <p:cNvSpPr txBox="1">
-            <a:spLocks noGrp="1"/>
-          </p:cNvSpPr>
-          <p:nvPr>
-            <p:ph type="title"/>
-          </p:nvPr>
-        </p:nvSpPr>
-        <p:spPr>
-          <a:xfrm>
-            <a:off x="415600" y="86563"/>
-            <a:ext cx="11360700" cy="763500"/>
-          </a:xfrm>
-          <a:prstGeom prst="rect">
-            <a:avLst/>
-          </a:prstGeom>
-          <a:noFill/>
-          <a:ln>
-            <a:noFill/>
-          </a:ln>
-        </p:spPr>
-        <p:txBody>
-          <a:bodyPr spcFirstLastPara="1" wrap="square" lIns="121900" tIns="121900" rIns="121900" bIns="121900" anchor="t" anchorCtr="0">
-            <a:noAutofit/>
-          </a:bodyPr>
-          <a:lstStyle/>
-          <a:p>
-            <a:pPr marL="0" lvl="0" indent="0" algn="l" rtl="0">
-              <a:lnSpc>
-                <a:spcPct val="100000"/>
-              </a:lnSpc>
-              <a:spcBef>
-                <a:spcPts val="0"/>
-              </a:spcBef>
-              <a:spcAft>
-                <a:spcPts val="0"/>
-              </a:spcAft>
-              <a:buClr>
-                <a:srgbClr val="FFFFFF"/>
-              </a:buClr>
-              <a:buSzPts val="3700"/>
-              <a:buNone/>
-            </a:pPr>
-            <a:r>
-              <a:rPr lang="en-US"/>
-              <a:t>Leave one out feature groups</a:t>
-            </a:r>
-            <a:endParaRPr/>
-          </a:p>
-        </p:txBody>
-      </p:sp>
-      <p:sp>
-        <p:nvSpPr>
-          <p:cNvPr id="115" name="Google Shape;115;p8"/>
-          <p:cNvSpPr txBox="1">
-            <a:spLocks noGrp="1"/>
-          </p:cNvSpPr>
-          <p:nvPr>
-            <p:ph type="body" idx="1"/>
-          </p:nvPr>
-        </p:nvSpPr>
-        <p:spPr>
-          <a:xfrm>
-            <a:off x="415600" y="1536633"/>
-            <a:ext cx="11360700" cy="4555200"/>
-          </a:xfrm>
-          <a:prstGeom prst="rect">
-            <a:avLst/>
-          </a:prstGeom>
-          <a:noFill/>
-          <a:ln>
-            <a:noFill/>
-          </a:ln>
-        </p:spPr>
-        <p:txBody>
-          <a:bodyPr spcFirstLastPara="1" wrap="square" lIns="121900" tIns="121900" rIns="121900" bIns="121900" anchor="t" anchorCtr="0">
-            <a:noAutofit/>
-          </a:bodyPr>
-          <a:lstStyle/>
-          <a:p>
-            <a:pPr marL="457200" lvl="0" indent="-381000" algn="l" rtl="0">
-              <a:lnSpc>
-                <a:spcPct val="115000"/>
-              </a:lnSpc>
-              <a:spcBef>
-                <a:spcPts val="0"/>
-              </a:spcBef>
-              <a:spcAft>
-                <a:spcPts val="0"/>
-              </a:spcAft>
-              <a:buClr>
-                <a:srgbClr val="434343"/>
-              </a:buClr>
-              <a:buSzPts val="2400"/>
-              <a:buChar char="●"/>
-            </a:pPr>
-            <a:r>
-              <a:rPr lang="en-US"/>
-              <a:t>Predictive Utility of a Feature Group:</a:t>
-            </a:r>
-            <a:endParaRPr/>
-          </a:p>
-          <a:p>
-            <a:pPr marL="914400" lvl="1" indent="-349250" algn="l" rtl="0">
-              <a:lnSpc>
-                <a:spcPct val="115000"/>
-              </a:lnSpc>
-              <a:spcBef>
-                <a:spcPts val="2100"/>
-              </a:spcBef>
-              <a:spcAft>
-                <a:spcPts val="0"/>
-              </a:spcAft>
-              <a:buSzPts val="1900"/>
-              <a:buChar char="○"/>
-            </a:pPr>
-            <a:r>
-              <a:rPr lang="en-US"/>
-              <a:t>Run models with all feature groups</a:t>
-            </a:r>
-            <a:endParaRPr/>
-          </a:p>
-          <a:p>
-            <a:pPr marL="914400" lvl="1" indent="-349250" algn="l" rtl="0">
-              <a:lnSpc>
-                <a:spcPct val="115000"/>
-              </a:lnSpc>
-              <a:spcBef>
-                <a:spcPts val="2100"/>
-              </a:spcBef>
-              <a:spcAft>
-                <a:spcPts val="0"/>
-              </a:spcAft>
-              <a:buSzPts val="1900"/>
-              <a:buChar char="○"/>
-            </a:pPr>
-            <a:r>
-              <a:rPr lang="en-US"/>
-              <a:t>Run models with only 1 feature group</a:t>
-            </a:r>
-            <a:endParaRPr/>
-          </a:p>
-          <a:p>
-            <a:pPr marL="914400" lvl="1" indent="-349250" algn="l" rtl="0">
-              <a:lnSpc>
-                <a:spcPct val="115000"/>
-              </a:lnSpc>
-              <a:spcBef>
-                <a:spcPts val="2100"/>
-              </a:spcBef>
-              <a:spcAft>
-                <a:spcPts val="0"/>
-              </a:spcAft>
-              <a:buSzPts val="1900"/>
-              <a:buChar char="○"/>
-            </a:pPr>
-            <a:r>
-              <a:rPr lang="en-US"/>
-              <a:t>Run models with all except 1 feature group</a:t>
-            </a:r>
-            <a:endParaRPr/>
-          </a:p>
-        </p:txBody>
-      </p:sp>
-    </p:spTree>
-  </p:cSld>
-  <p:clrMapOvr>
-    <a:masterClrMapping/>
-  </p:clrMapOvr>
-</p:sld>
-</file>
-
-<file path=ppt/slides/slide16.xml><?xml version="1.0" encoding="utf-8"?>
-<p:sld xmlns:a="http://schemas.openxmlformats.org/drawingml/2006/main" xmlns:r="http://schemas.openxmlformats.org/officeDocument/2006/relationships" xmlns:p="http://schemas.openxmlformats.org/presentationml/2006/main">
-  <p:cSld>
-    <p:spTree>
-      <p:nvGrpSpPr>
-        <p:cNvPr id="1" name="Shape 120"/>
-        <p:cNvGrpSpPr/>
-        <p:nvPr/>
-      </p:nvGrpSpPr>
-      <p:grpSpPr>
-        <a:xfrm>
-          <a:off x="0" y="0"/>
-          <a:ext cx="0" cy="0"/>
-          <a:chOff x="0" y="0"/>
-          <a:chExt cx="0" cy="0"/>
-        </a:xfrm>
-      </p:grpSpPr>
-      <p:sp>
-        <p:nvSpPr>
-          <p:cNvPr id="121" name="Google Shape;121;g71c382910d_0_6"/>
-          <p:cNvSpPr txBox="1">
-            <a:spLocks noGrp="1"/>
-          </p:cNvSpPr>
-          <p:nvPr>
-            <p:ph type="title"/>
-          </p:nvPr>
-        </p:nvSpPr>
-        <p:spPr>
-          <a:xfrm>
-            <a:off x="415600" y="86563"/>
-            <a:ext cx="11360700" cy="763500"/>
-          </a:xfrm>
-          <a:prstGeom prst="rect">
-            <a:avLst/>
-          </a:prstGeom>
-        </p:spPr>
-        <p:txBody>
-          <a:bodyPr spcFirstLastPara="1" wrap="square" lIns="121900" tIns="121900" rIns="121900" bIns="121900" anchor="t" anchorCtr="0">
-            <a:noAutofit/>
-          </a:bodyPr>
-          <a:lstStyle/>
-          <a:p>
-            <a:pPr marL="0" lvl="0" indent="0" algn="l" rtl="0">
-              <a:spcBef>
-                <a:spcPts val="0"/>
-              </a:spcBef>
-              <a:spcAft>
-                <a:spcPts val="0"/>
-              </a:spcAft>
-              <a:buNone/>
-            </a:pPr>
-            <a:r>
-              <a:rPr lang="en-US"/>
-              <a:t>Error Analysis</a:t>
-            </a:r>
-            <a:endParaRPr/>
-          </a:p>
-        </p:txBody>
-      </p:sp>
-      <p:sp>
-        <p:nvSpPr>
-          <p:cNvPr id="122" name="Google Shape;122;g71c382910d_0_6"/>
-          <p:cNvSpPr txBox="1">
-            <a:spLocks noGrp="1"/>
-          </p:cNvSpPr>
-          <p:nvPr>
-            <p:ph type="body" idx="1"/>
-          </p:nvPr>
-        </p:nvSpPr>
-        <p:spPr>
-          <a:xfrm>
-            <a:off x="415600" y="1536633"/>
-            <a:ext cx="11360700" cy="4555200"/>
-          </a:xfrm>
-          <a:prstGeom prst="rect">
-            <a:avLst/>
-          </a:prstGeom>
-        </p:spPr>
-        <p:txBody>
-          <a:bodyPr spcFirstLastPara="1" wrap="square" lIns="121900" tIns="121900" rIns="121900" bIns="121900" anchor="t" anchorCtr="0">
-            <a:noAutofit/>
-          </a:bodyPr>
-          <a:lstStyle/>
-          <a:p>
-            <a:pPr marL="457200" lvl="0" indent="-381000" algn="l" rtl="0">
-              <a:spcBef>
-                <a:spcPts val="0"/>
-              </a:spcBef>
-              <a:spcAft>
-                <a:spcPts val="0"/>
-              </a:spcAft>
-              <a:buSzPts val="2400"/>
-              <a:buChar char="●"/>
-            </a:pPr>
-            <a:r>
-              <a:rPr lang="en-US"/>
-              <a:t>Error Trees</a:t>
-            </a:r>
-            <a:br>
-              <a:rPr lang="en-US"/>
-            </a:br>
-            <a:endParaRPr/>
-          </a:p>
-          <a:p>
-            <a:pPr marL="457200" lvl="0" indent="-381000" algn="l" rtl="0">
-              <a:spcBef>
-                <a:spcPts val="0"/>
-              </a:spcBef>
-              <a:spcAft>
-                <a:spcPts val="0"/>
-              </a:spcAft>
-              <a:buSzPts val="2400"/>
-              <a:buChar char="●"/>
-            </a:pPr>
-            <a:r>
-              <a:rPr lang="en-US"/>
-              <a:t>Clustering</a:t>
-            </a:r>
-            <a:br>
-              <a:rPr lang="en-US"/>
-            </a:br>
-            <a:endParaRPr/>
-          </a:p>
-          <a:p>
-            <a:pPr marL="457200" lvl="0" indent="-381000" algn="l" rtl="0">
-              <a:spcBef>
-                <a:spcPts val="0"/>
-              </a:spcBef>
-              <a:spcAft>
-                <a:spcPts val="0"/>
-              </a:spcAft>
-              <a:buSzPts val="2400"/>
-              <a:buChar char="●"/>
-            </a:pPr>
-            <a:r>
-              <a:rPr lang="en-US"/>
-              <a:t>Individual Feature Importances</a:t>
-            </a:r>
-            <a:endParaRPr/>
-          </a:p>
-        </p:txBody>
-      </p:sp>
-    </p:spTree>
-  </p:cSld>
-  <p:clrMapOvr>
-    <a:masterClrMapping/>
-  </p:clrMapOvr>
-</p:sld>
-</file>
-
-<file path=ppt/slides/slide17.xml><?xml version="1.0" encoding="utf-8"?>
+<file path=ppt/slides/slide14.xml><?xml version="1.0" encoding="utf-8"?>
 <p:sld xmlns:a="http://schemas.openxmlformats.org/drawingml/2006/main" xmlns:r="http://schemas.openxmlformats.org/officeDocument/2006/relationships" xmlns:p="http://schemas.openxmlformats.org/presentationml/2006/main">
   <p:cSld>
     <p:spTree>
@@ -16489,36 +15080,13 @@
               <a:buChar char="●"/>
             </a:pPr>
             <a:r>
-              <a:rPr lang="en-US"/>
+              <a:rPr lang="en-US" dirty="0"/>
               <a:t>Score Distributions</a:t>
             </a:r>
             <a:br>
-              <a:rPr lang="en-US"/>
+              <a:rPr lang="en-US" dirty="0"/>
             </a:br>
-            <a:endParaRPr/>
-          </a:p>
-          <a:p>
-            <a:pPr marL="457200" lvl="0" indent="-381000" algn="l" rtl="0">
-              <a:lnSpc>
-                <a:spcPct val="115000"/>
-              </a:lnSpc>
-              <a:spcBef>
-                <a:spcPts val="0"/>
-              </a:spcBef>
-              <a:spcAft>
-                <a:spcPts val="0"/>
-              </a:spcAft>
-              <a:buSzPts val="2400"/>
-              <a:buChar char="●"/>
-            </a:pPr>
-            <a:r>
-              <a:rPr lang="en-US"/>
-              <a:t>Stack-Ranking and Calibration</a:t>
-            </a:r>
-            <a:br>
-              <a:rPr lang="en-US"/>
-            </a:br>
-            <a:endParaRPr/>
+            <a:endParaRPr dirty="0"/>
           </a:p>
           <a:p>
             <a:pPr marL="457200" lvl="0" indent="-381000" algn="l" rtl="0">
@@ -16538,33 +15106,13 @@
               <a:buChar char="●"/>
             </a:pPr>
             <a:r>
-              <a:rPr lang="en-US"/>
+              <a:rPr lang="en-US" dirty="0"/>
               <a:t>Cross-Tabs</a:t>
             </a:r>
             <a:br>
-              <a:rPr lang="en-US"/>
+              <a:rPr lang="en-US" dirty="0"/>
             </a:br>
-            <a:endParaRPr/>
-          </a:p>
-          <a:p>
-            <a:pPr marL="457200" lvl="0" indent="-381000" algn="l" rtl="0">
-              <a:lnSpc>
-                <a:spcPct val="115000"/>
-              </a:lnSpc>
-              <a:spcBef>
-                <a:spcPts val="0"/>
-              </a:spcBef>
-              <a:spcAft>
-                <a:spcPts val="0"/>
-              </a:spcAft>
-              <a:buSzPts val="2400"/>
-              <a:buChar char="●"/>
-            </a:pPr>
-            <a:r>
-              <a:rPr lang="en-US"/>
-              <a:t>Clustering</a:t>
-            </a:r>
-            <a:endParaRPr/>
+            <a:endParaRPr dirty="0"/>
           </a:p>
         </p:txBody>
       </p:sp>
@@ -16576,7 +15124,7 @@
 </p:sld>
 </file>
 
-<file path=ppt/slides/slide18.xml><?xml version="1.0" encoding="utf-8"?>
+<file path=ppt/slides/slide15.xml><?xml version="1.0" encoding="utf-8"?>
 <p:sld xmlns:a="http://schemas.openxmlformats.org/drawingml/2006/main" xmlns:r="http://schemas.openxmlformats.org/officeDocument/2006/relationships" xmlns:p="http://schemas.openxmlformats.org/presentationml/2006/main">
   <p:cSld>
     <p:spTree>
@@ -18202,7 +16750,7 @@
 </p:sld>
 </file>
 
-<file path=ppt/slides/slide19.xml><?xml version="1.0" encoding="utf-8"?>
+<file path=ppt/slides/slide16.xml><?xml version="1.0" encoding="utf-8"?>
 <p:sld xmlns:a="http://schemas.openxmlformats.org/drawingml/2006/main" xmlns:r="http://schemas.openxmlformats.org/officeDocument/2006/relationships" xmlns:p="http://schemas.openxmlformats.org/presentationml/2006/main">
   <p:cSld>
     <p:spTree>
@@ -18352,73 +16900,7 @@
 </p:sld>
 </file>
 
-<file path=ppt/slides/slide2.xml><?xml version="1.0" encoding="utf-8"?>
-<p:sld xmlns:a="http://schemas.openxmlformats.org/drawingml/2006/main" xmlns:r="http://schemas.openxmlformats.org/officeDocument/2006/relationships" xmlns:p="http://schemas.openxmlformats.org/presentationml/2006/main">
-  <p:cSld>
-    <p:spTree>
-      <p:nvGrpSpPr>
-        <p:cNvPr id="1" name=""/>
-        <p:cNvGrpSpPr/>
-        <p:nvPr/>
-      </p:nvGrpSpPr>
-      <p:grpSpPr>
-        <a:xfrm>
-          <a:off x="0" y="0"/>
-          <a:ext cx="0" cy="0"/>
-          <a:chOff x="0" y="0"/>
-          <a:chExt cx="0" cy="0"/>
-        </a:xfrm>
-      </p:grpSpPr>
-      <p:sp>
-        <p:nvSpPr>
-          <p:cNvPr id="4" name="Text Placeholder 3">
-            <a:extLst>
-              <a:ext uri="{FF2B5EF4-FFF2-40B4-BE49-F238E27FC236}">
-                <a16:creationId xmlns:a16="http://schemas.microsoft.com/office/drawing/2014/main" id="{5E600BA7-FA45-884F-9820-9E5F2CB7AA48}"/>
-              </a:ext>
-            </a:extLst>
-          </p:cNvPr>
-          <p:cNvSpPr>
-            <a:spLocks noGrp="1"/>
-          </p:cNvSpPr>
-          <p:nvPr>
-            <p:ph type="body" idx="4294967295"/>
-          </p:nvPr>
-        </p:nvSpPr>
-        <p:spPr>
-          <a:xfrm>
-            <a:off x="0" y="2724150"/>
-            <a:ext cx="11360150" cy="1409700"/>
-          </a:xfrm>
-        </p:spPr>
-        <p:txBody>
-          <a:bodyPr/>
-          <a:lstStyle/>
-          <a:p>
-            <a:pPr marL="76200" indent="0" algn="ctr">
-              <a:buNone/>
-            </a:pPr>
-            <a:r>
-              <a:rPr lang="en-US" sz="4800" dirty="0"/>
-              <a:t>Short Quiz</a:t>
-            </a:r>
-          </a:p>
-        </p:txBody>
-      </p:sp>
-    </p:spTree>
-    <p:extLst>
-      <p:ext uri="{BB962C8B-B14F-4D97-AF65-F5344CB8AC3E}">
-        <p14:creationId xmlns:p14="http://schemas.microsoft.com/office/powerpoint/2010/main" val="2530039310"/>
-      </p:ext>
-    </p:extLst>
-  </p:cSld>
-  <p:clrMapOvr>
-    <a:masterClrMapping/>
-  </p:clrMapOvr>
-</p:sld>
-</file>
-
-<file path=ppt/slides/slide20.xml><?xml version="1.0" encoding="utf-8"?>
+<file path=ppt/slides/slide17.xml><?xml version="1.0" encoding="utf-8"?>
 <p:sld xmlns:a="http://schemas.openxmlformats.org/drawingml/2006/main" xmlns:r="http://schemas.openxmlformats.org/officeDocument/2006/relationships" xmlns:p="http://schemas.openxmlformats.org/presentationml/2006/main">
   <p:cSld>
     <p:spTree>
@@ -18600,8 +17082,8 @@
 </p:sld>
 </file>
 
-<file path=ppt/slides/slide21.xml><?xml version="1.0" encoding="utf-8"?>
-<p:sld xmlns:a="http://schemas.openxmlformats.org/drawingml/2006/main" xmlns:r="http://schemas.openxmlformats.org/officeDocument/2006/relationships" xmlns:p="http://schemas.openxmlformats.org/presentationml/2006/main">
+<file path=ppt/slides/slide18.xml><?xml version="1.0" encoding="utf-8"?>
+<p:sld xmlns:a="http://schemas.openxmlformats.org/drawingml/2006/main" xmlns:r="http://schemas.openxmlformats.org/officeDocument/2006/relationships" xmlns:p="http://schemas.openxmlformats.org/presentationml/2006/main" show="0">
   <p:cSld>
     <p:spTree>
       <p:nvGrpSpPr>
@@ -19089,7 +17571,7 @@
 </p:sld>
 </file>
 
-<file path=ppt/slides/slide22.xml><?xml version="1.0" encoding="utf-8"?>
+<file path=ppt/slides/slide19.xml><?xml version="1.0" encoding="utf-8"?>
 <p:sld xmlns:a="http://schemas.openxmlformats.org/drawingml/2006/main" xmlns:r="http://schemas.openxmlformats.org/officeDocument/2006/relationships" xmlns:p="http://schemas.openxmlformats.org/presentationml/2006/main" show="0">
   <p:cSld>
     <p:spTree>
@@ -19324,652 +17806,7 @@
 </p:sld>
 </file>
 
-<file path=ppt/slides/slide23.xml><?xml version="1.0" encoding="utf-8"?>
-<p:sld xmlns:a="http://schemas.openxmlformats.org/drawingml/2006/main" xmlns:r="http://schemas.openxmlformats.org/officeDocument/2006/relationships" xmlns:p="http://schemas.openxmlformats.org/presentationml/2006/main">
-  <p:cSld>
-    <p:spTree>
-      <p:nvGrpSpPr>
-        <p:cNvPr id="1" name="Shape 170"/>
-        <p:cNvGrpSpPr/>
-        <p:nvPr/>
-      </p:nvGrpSpPr>
-      <p:grpSpPr>
-        <a:xfrm>
-          <a:off x="0" y="0"/>
-          <a:ext cx="0" cy="0"/>
-          <a:chOff x="0" y="0"/>
-          <a:chExt cx="0" cy="0"/>
-        </a:xfrm>
-      </p:grpSpPr>
-      <p:sp>
-        <p:nvSpPr>
-          <p:cNvPr id="171" name="Google Shape;171;p31"/>
-          <p:cNvSpPr txBox="1">
-            <a:spLocks noGrp="1"/>
-          </p:cNvSpPr>
-          <p:nvPr>
-            <p:ph type="title"/>
-          </p:nvPr>
-        </p:nvSpPr>
-        <p:spPr>
-          <a:xfrm>
-            <a:off x="415600" y="86563"/>
-            <a:ext cx="11360700" cy="763500"/>
-          </a:xfrm>
-          <a:prstGeom prst="rect">
-            <a:avLst/>
-          </a:prstGeom>
-          <a:noFill/>
-          <a:ln>
-            <a:noFill/>
-          </a:ln>
-        </p:spPr>
-        <p:txBody>
-          <a:bodyPr spcFirstLastPara="1" wrap="square" lIns="121900" tIns="121900" rIns="121900" bIns="121900" anchor="t" anchorCtr="0">
-            <a:noAutofit/>
-          </a:bodyPr>
-          <a:lstStyle/>
-          <a:p>
-            <a:pPr marL="0" lvl="0" indent="0" algn="l" rtl="0">
-              <a:lnSpc>
-                <a:spcPct val="100000"/>
-              </a:lnSpc>
-              <a:spcBef>
-                <a:spcPts val="0"/>
-              </a:spcBef>
-              <a:spcAft>
-                <a:spcPts val="0"/>
-              </a:spcAft>
-              <a:buClr>
-                <a:srgbClr val="FFFFFF"/>
-              </a:buClr>
-              <a:buSzPts val="3700"/>
-              <a:buNone/>
-            </a:pPr>
-            <a:r>
-              <a:rPr lang="en-US"/>
-              <a:t>Specialized “Interpretable” Models</a:t>
-            </a:r>
-            <a:endParaRPr/>
-          </a:p>
-        </p:txBody>
-      </p:sp>
-      <p:sp>
-        <p:nvSpPr>
-          <p:cNvPr id="172" name="Google Shape;172;p31"/>
-          <p:cNvSpPr txBox="1">
-            <a:spLocks noGrp="1"/>
-          </p:cNvSpPr>
-          <p:nvPr>
-            <p:ph type="body" idx="1"/>
-          </p:nvPr>
-        </p:nvSpPr>
-        <p:spPr>
-          <a:xfrm>
-            <a:off x="415600" y="1536633"/>
-            <a:ext cx="11360700" cy="4555200"/>
-          </a:xfrm>
-          <a:prstGeom prst="rect">
-            <a:avLst/>
-          </a:prstGeom>
-          <a:noFill/>
-          <a:ln>
-            <a:noFill/>
-          </a:ln>
-        </p:spPr>
-        <p:txBody>
-          <a:bodyPr spcFirstLastPara="1" wrap="square" lIns="121900" tIns="121900" rIns="121900" bIns="121900" anchor="t" anchorCtr="0">
-            <a:noAutofit/>
-          </a:bodyPr>
-          <a:lstStyle/>
-          <a:p>
-            <a:pPr marL="457200" lvl="0" indent="-381000" algn="l" rtl="0">
-              <a:lnSpc>
-                <a:spcPct val="115000"/>
-              </a:lnSpc>
-              <a:spcBef>
-                <a:spcPts val="0"/>
-              </a:spcBef>
-              <a:spcAft>
-                <a:spcPts val="0"/>
-              </a:spcAft>
-              <a:buClr>
-                <a:srgbClr val="434343"/>
-              </a:buClr>
-              <a:buSzPts val="2400"/>
-              <a:buChar char="●"/>
-            </a:pPr>
-            <a:r>
-              <a:rPr lang="en-US"/>
-              <a:t>Risk-SLIM – Ustun and Rudin. Learning Optimized Risk Scores from Large-Scale Datasets.KDD 2017</a:t>
-            </a:r>
-            <a:endParaRPr/>
-          </a:p>
-          <a:p>
-            <a:pPr marL="457200" lvl="0" indent="-228600" algn="l" rtl="0">
-              <a:lnSpc>
-                <a:spcPct val="115000"/>
-              </a:lnSpc>
-              <a:spcBef>
-                <a:spcPts val="0"/>
-              </a:spcBef>
-              <a:spcAft>
-                <a:spcPts val="0"/>
-              </a:spcAft>
-              <a:buClr>
-                <a:srgbClr val="434343"/>
-              </a:buClr>
-              <a:buSzPts val="2400"/>
-              <a:buNone/>
-            </a:pPr>
-            <a:endParaRPr/>
-          </a:p>
-          <a:p>
-            <a:pPr marL="457200" lvl="0" indent="-381000" algn="l" rtl="0">
-              <a:lnSpc>
-                <a:spcPct val="115000"/>
-              </a:lnSpc>
-              <a:spcBef>
-                <a:spcPts val="0"/>
-              </a:spcBef>
-              <a:spcAft>
-                <a:spcPts val="0"/>
-              </a:spcAft>
-              <a:buClr>
-                <a:srgbClr val="434343"/>
-              </a:buClr>
-              <a:buSzPts val="2400"/>
-              <a:buChar char="●"/>
-            </a:pPr>
-            <a:r>
-              <a:rPr lang="en-US"/>
-              <a:t>Generalized Additive Model (GAM): </a:t>
-            </a:r>
-            <a:r>
-              <a:rPr lang="en-US" u="sng">
-                <a:solidFill>
-                  <a:schemeClr val="hlink"/>
-                </a:solidFill>
-                <a:hlinkClick r:id="rId3"/>
-              </a:rPr>
-              <a:t>Additive models </a:t>
-            </a:r>
-            <a:r>
-              <a:rPr lang="en-US"/>
-              <a:t>– Caruana et al. "Intelligible models for healthcare: Predicting pneumonia risk and hospital 30-day readmission." </a:t>
-            </a:r>
-            <a:r>
-              <a:rPr lang="en-US" i="1"/>
-              <a:t>KDD 2015)</a:t>
-            </a:r>
-            <a:endParaRPr/>
-          </a:p>
-          <a:p>
-            <a:pPr marL="457200" lvl="0" indent="-228600" algn="l" rtl="0">
-              <a:lnSpc>
-                <a:spcPct val="115000"/>
-              </a:lnSpc>
-              <a:spcBef>
-                <a:spcPts val="0"/>
-              </a:spcBef>
-              <a:spcAft>
-                <a:spcPts val="0"/>
-              </a:spcAft>
-              <a:buClr>
-                <a:srgbClr val="434343"/>
-              </a:buClr>
-              <a:buSzPts val="2400"/>
-              <a:buNone/>
-            </a:pPr>
-            <a:endParaRPr/>
-          </a:p>
-          <a:p>
-            <a:pPr marL="457200" lvl="0" indent="-228600" algn="l" rtl="0">
-              <a:lnSpc>
-                <a:spcPct val="115000"/>
-              </a:lnSpc>
-              <a:spcBef>
-                <a:spcPts val="0"/>
-              </a:spcBef>
-              <a:spcAft>
-                <a:spcPts val="0"/>
-              </a:spcAft>
-              <a:buClr>
-                <a:srgbClr val="434343"/>
-              </a:buClr>
-              <a:buSzPts val="2400"/>
-              <a:buNone/>
-            </a:pPr>
-            <a:endParaRPr/>
-          </a:p>
-        </p:txBody>
-      </p:sp>
-    </p:spTree>
-  </p:cSld>
-  <p:clrMapOvr>
-    <a:masterClrMapping/>
-  </p:clrMapOvr>
-</p:sld>
-</file>
-
-<file path=ppt/slides/slide24.xml><?xml version="1.0" encoding="utf-8"?>
-<p:sld xmlns:a="http://schemas.openxmlformats.org/drawingml/2006/main" xmlns:r="http://schemas.openxmlformats.org/officeDocument/2006/relationships" xmlns:p="http://schemas.openxmlformats.org/presentationml/2006/main">
-  <p:cSld>
-    <p:spTree>
-      <p:nvGrpSpPr>
-        <p:cNvPr id="1" name="Shape 176"/>
-        <p:cNvGrpSpPr/>
-        <p:nvPr/>
-      </p:nvGrpSpPr>
-      <p:grpSpPr>
-        <a:xfrm>
-          <a:off x="0" y="0"/>
-          <a:ext cx="0" cy="0"/>
-          <a:chOff x="0" y="0"/>
-          <a:chExt cx="0" cy="0"/>
-        </a:xfrm>
-      </p:grpSpPr>
-      <p:pic>
-        <p:nvPicPr>
-          <p:cNvPr id="177" name="Google Shape;177;p32"/>
-          <p:cNvPicPr preferRelativeResize="0"/>
-          <p:nvPr/>
-        </p:nvPicPr>
-        <p:blipFill>
-          <a:blip r:embed="rId3">
-            <a:alphaModFix/>
-          </a:blip>
-          <a:stretch>
-            <a:fillRect/>
-          </a:stretch>
-        </p:blipFill>
-        <p:spPr>
-          <a:xfrm>
-            <a:off x="1965488" y="207302"/>
-            <a:ext cx="8261024" cy="6443400"/>
-          </a:xfrm>
-          <a:prstGeom prst="rect">
-            <a:avLst/>
-          </a:prstGeom>
-          <a:noFill/>
-          <a:ln>
-            <a:noFill/>
-          </a:ln>
-        </p:spPr>
-      </p:pic>
-    </p:spTree>
-  </p:cSld>
-  <p:clrMapOvr>
-    <a:masterClrMapping/>
-  </p:clrMapOvr>
-</p:sld>
-</file>
-
-<file path=ppt/slides/slide25.xml><?xml version="1.0" encoding="utf-8"?>
-<p:sld xmlns:a="http://schemas.openxmlformats.org/drawingml/2006/main" xmlns:r="http://schemas.openxmlformats.org/officeDocument/2006/relationships" xmlns:p="http://schemas.openxmlformats.org/presentationml/2006/main">
-  <p:cSld>
-    <p:spTree>
-      <p:nvGrpSpPr>
-        <p:cNvPr id="1" name="Shape 181"/>
-        <p:cNvGrpSpPr/>
-        <p:nvPr/>
-      </p:nvGrpSpPr>
-      <p:grpSpPr>
-        <a:xfrm>
-          <a:off x="0" y="0"/>
-          <a:ext cx="0" cy="0"/>
-          <a:chOff x="0" y="0"/>
-          <a:chExt cx="0" cy="0"/>
-        </a:xfrm>
-      </p:grpSpPr>
-      <p:pic>
-        <p:nvPicPr>
-          <p:cNvPr id="182" name="Google Shape;182;g72001f471e_0_19"/>
-          <p:cNvPicPr preferRelativeResize="0"/>
-          <p:nvPr/>
-        </p:nvPicPr>
-        <p:blipFill rotWithShape="1">
-          <a:blip r:embed="rId3">
-            <a:alphaModFix/>
-          </a:blip>
-          <a:srcRect r="50927" b="79077"/>
-          <a:stretch/>
-        </p:blipFill>
-        <p:spPr>
-          <a:xfrm>
-            <a:off x="864125" y="1689175"/>
-            <a:ext cx="10463750" cy="3479650"/>
-          </a:xfrm>
-          <a:prstGeom prst="rect">
-            <a:avLst/>
-          </a:prstGeom>
-          <a:noFill/>
-          <a:ln>
-            <a:noFill/>
-          </a:ln>
-        </p:spPr>
-      </p:pic>
-    </p:spTree>
-  </p:cSld>
-  <p:clrMapOvr>
-    <a:masterClrMapping/>
-  </p:clrMapOvr>
-</p:sld>
-</file>
-
-<file path=ppt/slides/slide26.xml><?xml version="1.0" encoding="utf-8"?>
-<p:sld xmlns:a="http://schemas.openxmlformats.org/drawingml/2006/main" xmlns:r="http://schemas.openxmlformats.org/officeDocument/2006/relationships" xmlns:p="http://schemas.openxmlformats.org/presentationml/2006/main" show="0">
-  <p:cSld>
-    <p:spTree>
-      <p:nvGrpSpPr>
-        <p:cNvPr id="1" name="Shape 186"/>
-        <p:cNvGrpSpPr/>
-        <p:nvPr/>
-      </p:nvGrpSpPr>
-      <p:grpSpPr>
-        <a:xfrm>
-          <a:off x="0" y="0"/>
-          <a:ext cx="0" cy="0"/>
-          <a:chOff x="0" y="0"/>
-          <a:chExt cx="0" cy="0"/>
-        </a:xfrm>
-      </p:grpSpPr>
-      <p:sp>
-        <p:nvSpPr>
-          <p:cNvPr id="187" name="Google Shape;187;g72001f471e_0_12"/>
-          <p:cNvSpPr txBox="1">
-            <a:spLocks noGrp="1"/>
-          </p:cNvSpPr>
-          <p:nvPr>
-            <p:ph type="title"/>
-          </p:nvPr>
-        </p:nvSpPr>
-        <p:spPr>
-          <a:xfrm>
-            <a:off x="415600" y="86563"/>
-            <a:ext cx="11360700" cy="763500"/>
-          </a:xfrm>
-          <a:prstGeom prst="rect">
-            <a:avLst/>
-          </a:prstGeom>
-          <a:noFill/>
-          <a:ln>
-            <a:noFill/>
-          </a:ln>
-        </p:spPr>
-        <p:txBody>
-          <a:bodyPr spcFirstLastPara="1" wrap="square" lIns="121900" tIns="121900" rIns="121900" bIns="121900" anchor="t" anchorCtr="0">
-            <a:noAutofit/>
-          </a:bodyPr>
-          <a:lstStyle/>
-          <a:p>
-            <a:pPr marL="0" lvl="0" indent="0" algn="l" rtl="0">
-              <a:lnSpc>
-                <a:spcPct val="100000"/>
-              </a:lnSpc>
-              <a:spcBef>
-                <a:spcPts val="0"/>
-              </a:spcBef>
-              <a:spcAft>
-                <a:spcPts val="0"/>
-              </a:spcAft>
-              <a:buClr>
-                <a:srgbClr val="FFFFFF"/>
-              </a:buClr>
-              <a:buSzPts val="3700"/>
-              <a:buNone/>
-            </a:pPr>
-            <a:endParaRPr/>
-          </a:p>
-        </p:txBody>
-      </p:sp>
-      <p:sp>
-        <p:nvSpPr>
-          <p:cNvPr id="188" name="Google Shape;188;g72001f471e_0_12"/>
-          <p:cNvSpPr txBox="1">
-            <a:spLocks noGrp="1"/>
-          </p:cNvSpPr>
-          <p:nvPr>
-            <p:ph type="body" idx="1"/>
-          </p:nvPr>
-        </p:nvSpPr>
-        <p:spPr>
-          <a:xfrm>
-            <a:off x="415600" y="1536633"/>
-            <a:ext cx="11360700" cy="4555200"/>
-          </a:xfrm>
-          <a:prstGeom prst="rect">
-            <a:avLst/>
-          </a:prstGeom>
-          <a:noFill/>
-          <a:ln>
-            <a:noFill/>
-          </a:ln>
-        </p:spPr>
-        <p:txBody>
-          <a:bodyPr spcFirstLastPara="1" wrap="square" lIns="121900" tIns="121900" rIns="121900" bIns="121900" anchor="t" anchorCtr="0">
-            <a:noAutofit/>
-          </a:bodyPr>
-          <a:lstStyle/>
-          <a:p>
-            <a:pPr marL="457200" lvl="0" indent="-228600" algn="l" rtl="0">
-              <a:lnSpc>
-                <a:spcPct val="115000"/>
-              </a:lnSpc>
-              <a:spcBef>
-                <a:spcPts val="0"/>
-              </a:spcBef>
-              <a:spcAft>
-                <a:spcPts val="0"/>
-              </a:spcAft>
-              <a:buClr>
-                <a:srgbClr val="434343"/>
-              </a:buClr>
-              <a:buSzPts val="2400"/>
-              <a:buNone/>
-            </a:pPr>
-            <a:endParaRPr/>
-          </a:p>
-        </p:txBody>
-      </p:sp>
-      <p:pic>
-        <p:nvPicPr>
-          <p:cNvPr id="189" name="Google Shape;189;g72001f471e_0_12"/>
-          <p:cNvPicPr preferRelativeResize="0"/>
-          <p:nvPr/>
-        </p:nvPicPr>
-        <p:blipFill rotWithShape="1">
-          <a:blip r:embed="rId3">
-            <a:alphaModFix/>
-          </a:blip>
-          <a:srcRect/>
-          <a:stretch/>
-        </p:blipFill>
-        <p:spPr>
-          <a:xfrm>
-            <a:off x="745689" y="-1111783"/>
-            <a:ext cx="10770402" cy="13298477"/>
-          </a:xfrm>
-          <a:prstGeom prst="rect">
-            <a:avLst/>
-          </a:prstGeom>
-          <a:noFill/>
-          <a:ln>
-            <a:noFill/>
-          </a:ln>
-        </p:spPr>
-      </p:pic>
-    </p:spTree>
-  </p:cSld>
-  <p:clrMapOvr>
-    <a:masterClrMapping/>
-  </p:clrMapOvr>
-</p:sld>
-</file>
-
-<file path=ppt/slides/slide27.xml><?xml version="1.0" encoding="utf-8"?>
-<p:sld xmlns:a="http://schemas.openxmlformats.org/drawingml/2006/main" xmlns:r="http://schemas.openxmlformats.org/officeDocument/2006/relationships" xmlns:p="http://schemas.openxmlformats.org/presentationml/2006/main">
-  <p:cSld>
-    <p:spTree>
-      <p:nvGrpSpPr>
-        <p:cNvPr id="1" name="Shape 193"/>
-        <p:cNvGrpSpPr/>
-        <p:nvPr/>
-      </p:nvGrpSpPr>
-      <p:grpSpPr>
-        <a:xfrm>
-          <a:off x="0" y="0"/>
-          <a:ext cx="0" cy="0"/>
-          <a:chOff x="0" y="0"/>
-          <a:chExt cx="0" cy="0"/>
-        </a:xfrm>
-      </p:grpSpPr>
-      <p:sp>
-        <p:nvSpPr>
-          <p:cNvPr id="194" name="Google Shape;194;p33"/>
-          <p:cNvSpPr txBox="1">
-            <a:spLocks noGrp="1"/>
-          </p:cNvSpPr>
-          <p:nvPr>
-            <p:ph type="title"/>
-          </p:nvPr>
-        </p:nvSpPr>
-        <p:spPr>
-          <a:xfrm>
-            <a:off x="415600" y="86563"/>
-            <a:ext cx="11360700" cy="763500"/>
-          </a:xfrm>
-          <a:prstGeom prst="rect">
-            <a:avLst/>
-          </a:prstGeom>
-          <a:noFill/>
-          <a:ln>
-            <a:noFill/>
-          </a:ln>
-        </p:spPr>
-        <p:txBody>
-          <a:bodyPr spcFirstLastPara="1" wrap="square" lIns="121900" tIns="121900" rIns="121900" bIns="121900" anchor="t" anchorCtr="0">
-            <a:noAutofit/>
-          </a:bodyPr>
-          <a:lstStyle/>
-          <a:p>
-            <a:pPr marL="0" lvl="0" indent="0" algn="l" rtl="0">
-              <a:lnSpc>
-                <a:spcPct val="100000"/>
-              </a:lnSpc>
-              <a:spcBef>
-                <a:spcPts val="0"/>
-              </a:spcBef>
-              <a:spcAft>
-                <a:spcPts val="0"/>
-              </a:spcAft>
-              <a:buClr>
-                <a:srgbClr val="FFFFFF"/>
-              </a:buClr>
-              <a:buSzPts val="3700"/>
-              <a:buNone/>
-            </a:pPr>
-            <a:r>
-              <a:rPr lang="en-US"/>
-              <a:t>Sparse Models (RiskSLIM)</a:t>
-            </a:r>
-            <a:endParaRPr/>
-          </a:p>
-        </p:txBody>
-      </p:sp>
-      <p:sp>
-        <p:nvSpPr>
-          <p:cNvPr id="195" name="Google Shape;195;p33"/>
-          <p:cNvSpPr txBox="1">
-            <a:spLocks noGrp="1"/>
-          </p:cNvSpPr>
-          <p:nvPr>
-            <p:ph type="body" idx="1"/>
-          </p:nvPr>
-        </p:nvSpPr>
-        <p:spPr>
-          <a:xfrm>
-            <a:off x="415600" y="1536633"/>
-            <a:ext cx="11360700" cy="4555200"/>
-          </a:xfrm>
-          <a:prstGeom prst="rect">
-            <a:avLst/>
-          </a:prstGeom>
-          <a:noFill/>
-          <a:ln>
-            <a:noFill/>
-          </a:ln>
-        </p:spPr>
-        <p:txBody>
-          <a:bodyPr spcFirstLastPara="1" wrap="square" lIns="121900" tIns="121900" rIns="121900" bIns="121900" anchor="t" anchorCtr="0">
-            <a:noAutofit/>
-          </a:bodyPr>
-          <a:lstStyle/>
-          <a:p>
-            <a:pPr marL="457200" lvl="0" indent="-228600" algn="l" rtl="0">
-              <a:lnSpc>
-                <a:spcPct val="115000"/>
-              </a:lnSpc>
-              <a:spcBef>
-                <a:spcPts val="0"/>
-              </a:spcBef>
-              <a:spcAft>
-                <a:spcPts val="0"/>
-              </a:spcAft>
-              <a:buClr>
-                <a:srgbClr val="434343"/>
-              </a:buClr>
-              <a:buSzPts val="2400"/>
-              <a:buNone/>
-            </a:pPr>
-            <a:endParaRPr/>
-          </a:p>
-        </p:txBody>
-      </p:sp>
-      <p:pic>
-        <p:nvPicPr>
-          <p:cNvPr id="196" name="Google Shape;196;p33"/>
-          <p:cNvPicPr preferRelativeResize="0"/>
-          <p:nvPr/>
-        </p:nvPicPr>
-        <p:blipFill rotWithShape="1">
-          <a:blip r:embed="rId3">
-            <a:alphaModFix/>
-          </a:blip>
-          <a:srcRect/>
-          <a:stretch/>
-        </p:blipFill>
-        <p:spPr>
-          <a:xfrm>
-            <a:off x="297707" y="1271841"/>
-            <a:ext cx="11694763" cy="4460689"/>
-          </a:xfrm>
-          <a:prstGeom prst="rect">
-            <a:avLst/>
-          </a:prstGeom>
-          <a:solidFill>
-            <a:srgbClr val="FFC000"/>
-          </a:solidFill>
-          <a:ln w="57150" cap="flat" cmpd="sng">
-            <a:solidFill>
-              <a:schemeClr val="accent2"/>
-            </a:solidFill>
-            <a:prstDash val="solid"/>
-            <a:round/>
-            <a:headEnd type="none" w="sm" len="sm"/>
-            <a:tailEnd type="none" w="sm" len="sm"/>
-          </a:ln>
-        </p:spPr>
-      </p:pic>
-    </p:spTree>
-  </p:cSld>
-  <p:clrMapOvr>
-    <a:masterClrMapping/>
-  </p:clrMapOvr>
-</p:sld>
-</file>
-
-<file path=ppt/slides/slide28.xml><?xml version="1.0" encoding="utf-8"?>
+<file path=ppt/slides/slide2.xml><?xml version="1.0" encoding="utf-8"?>
 <p:sld xmlns:a="http://schemas.openxmlformats.org/drawingml/2006/main" xmlns:r="http://schemas.openxmlformats.org/officeDocument/2006/relationships" xmlns:p="http://schemas.openxmlformats.org/presentationml/2006/main">
   <p:cSld>
     <p:spTree>
@@ -20045,18 +17882,6 @@
             <a:endParaRPr lang="en-US" dirty="0"/>
           </a:p>
           <a:p>
-            <a:r>
-              <a:rPr lang="en-US" dirty="0"/>
-              <a:t>Project check-ins on Wednesday/Thursday</a:t>
-            </a:r>
-          </a:p>
-          <a:p>
-            <a:r>
-              <a:rPr lang="en-US" dirty="0"/>
-              <a:t>Course feedback session Thursday (first half hour)</a:t>
-            </a:r>
-          </a:p>
-          <a:p>
             <a:pPr marL="76200" indent="0">
               <a:buNone/>
             </a:pPr>
@@ -20069,33 +17894,6 @@
             <a:r>
               <a:rPr lang="en-US" b="1" dirty="0"/>
               <a:t>Coming up next week:</a:t>
-            </a:r>
-          </a:p>
-          <a:p>
-            <a:r>
-              <a:rPr lang="en-US" dirty="0"/>
-              <a:t>Due </a:t>
-            </a:r>
-            <a:r>
-              <a:rPr lang="en-US" b="1" dirty="0"/>
-              <a:t>Mon/Tues</a:t>
-            </a:r>
-            <a:r>
-              <a:rPr lang="en-US" dirty="0"/>
-              <a:t>: </a:t>
-            </a:r>
-            <a:r>
-              <a:rPr lang="en-US" dirty="0">
-                <a:hlinkClick r:id="rId2"/>
-              </a:rPr>
-              <a:t>update assignment</a:t>
-            </a:r>
-            <a:endParaRPr lang="en-US" dirty="0"/>
-          </a:p>
-          <a:p>
-            <a:r>
-              <a:rPr lang="en-US" dirty="0"/>
-              <a:t>Readings for Tuesday: local interpretability</a:t>
             </a:r>
           </a:p>
         </p:txBody>
@@ -20103,7 +17901,7 @@
     </p:spTree>
     <p:extLst>
       <p:ext uri="{BB962C8B-B14F-4D97-AF65-F5344CB8AC3E}">
-        <p14:creationId xmlns:p14="http://schemas.microsoft.com/office/powerpoint/2010/main" val="379746595"/>
+        <p14:creationId xmlns:p14="http://schemas.microsoft.com/office/powerpoint/2010/main" val="2772368304"/>
       </p:ext>
     </p:extLst>
   </p:cSld>
@@ -20113,7 +17911,796 @@
 </p:sld>
 </file>
 
-<file path=ppt/slides/slide3.xml><?xml version="1.0" encoding="utf-8"?>
+<file path=ppt/slides/slide20.xml><?xml version="1.0" encoding="utf-8"?>
+<p:sld xmlns:a="http://schemas.openxmlformats.org/drawingml/2006/main" xmlns:r="http://schemas.openxmlformats.org/officeDocument/2006/relationships" xmlns:p="http://schemas.openxmlformats.org/presentationml/2006/main">
+  <p:cSld>
+    <p:spTree>
+      <p:nvGrpSpPr>
+        <p:cNvPr id="1" name=""/>
+        <p:cNvGrpSpPr/>
+        <p:nvPr/>
+      </p:nvGrpSpPr>
+      <p:grpSpPr>
+        <a:xfrm>
+          <a:off x="0" y="0"/>
+          <a:ext cx="0" cy="0"/>
+          <a:chOff x="0" y="0"/>
+          <a:chExt cx="0" cy="0"/>
+        </a:xfrm>
+      </p:grpSpPr>
+      <p:sp>
+        <p:nvSpPr>
+          <p:cNvPr id="2" name="Title 1">
+            <a:extLst>
+              <a:ext uri="{FF2B5EF4-FFF2-40B4-BE49-F238E27FC236}">
+                <a16:creationId xmlns:a16="http://schemas.microsoft.com/office/drawing/2014/main" id="{EF89437D-6342-C54D-86A4-2A9D3DEEE847}"/>
+              </a:ext>
+            </a:extLst>
+          </p:cNvPr>
+          <p:cNvSpPr>
+            <a:spLocks noGrp="1"/>
+          </p:cNvSpPr>
+          <p:nvPr>
+            <p:ph type="title"/>
+          </p:nvPr>
+        </p:nvSpPr>
+        <p:spPr/>
+        <p:txBody>
+          <a:bodyPr/>
+          <a:lstStyle/>
+          <a:p>
+            <a:r>
+              <a:rPr lang="en-US" sz="3200" dirty="0"/>
+              <a:t>Words you will run into and what you should think about</a:t>
+            </a:r>
+          </a:p>
+        </p:txBody>
+      </p:sp>
+      <p:sp>
+        <p:nvSpPr>
+          <p:cNvPr id="3" name="Text Placeholder 2">
+            <a:extLst>
+              <a:ext uri="{FF2B5EF4-FFF2-40B4-BE49-F238E27FC236}">
+                <a16:creationId xmlns:a16="http://schemas.microsoft.com/office/drawing/2014/main" id="{B37B4BF3-69B5-0A47-B9BD-7396F91F4301}"/>
+              </a:ext>
+            </a:extLst>
+          </p:cNvPr>
+          <p:cNvSpPr>
+            <a:spLocks noGrp="1"/>
+          </p:cNvSpPr>
+          <p:nvPr>
+            <p:ph type="body" idx="1"/>
+          </p:nvPr>
+        </p:nvSpPr>
+        <p:spPr/>
+        <p:txBody>
+          <a:bodyPr/>
+          <a:lstStyle/>
+          <a:p>
+            <a:r>
+              <a:rPr lang="en-US" dirty="0">
+                <a:solidFill>
+                  <a:srgbClr val="FF0000"/>
+                </a:solidFill>
+              </a:rPr>
+              <a:t>Interpretable models</a:t>
+            </a:r>
+            <a:r>
+              <a:rPr lang="en-US" dirty="0"/>
+              <a:t>: can you get both interpretability and “accuracy”? For what definition of interpretability </a:t>
+            </a:r>
+            <a:r>
+              <a:rPr lang="en-US" dirty="0" err="1"/>
+              <a:t>andf</a:t>
+            </a:r>
+            <a:r>
+              <a:rPr lang="en-US" dirty="0"/>
+              <a:t> accuracy?</a:t>
+            </a:r>
+          </a:p>
+          <a:p>
+            <a:pPr lvl="1"/>
+            <a:r>
+              <a:rPr lang="en-US" dirty="0"/>
+              <a:t>Examples: Risk-SLIM, GAM, Decision Rule Lists, Decision Trees, Logistic Regression</a:t>
+            </a:r>
+          </a:p>
+          <a:p>
+            <a:endParaRPr lang="en-US" dirty="0"/>
+          </a:p>
+          <a:p>
+            <a:r>
+              <a:rPr lang="en-US" dirty="0">
+                <a:solidFill>
+                  <a:srgbClr val="FF0000"/>
+                </a:solidFill>
+              </a:rPr>
+              <a:t>Local explanations</a:t>
+            </a:r>
+            <a:r>
+              <a:rPr lang="en-US" dirty="0"/>
+              <a:t>: Given a prediction by a model, can you understand why it made that prediction. What does it mean to explain the prediction of a model?, </a:t>
+            </a:r>
+          </a:p>
+          <a:p>
+            <a:pPr lvl="1"/>
+            <a:r>
+              <a:rPr lang="en-US" dirty="0"/>
+              <a:t>Examples: LIME, SHAP, Maple, DICE, NICE, </a:t>
+            </a:r>
+            <a:r>
+              <a:rPr lang="en-US" dirty="0" err="1"/>
+              <a:t>Protodash</a:t>
+            </a:r>
+            <a:r>
+              <a:rPr lang="en-US" dirty="0"/>
+              <a:t>, …</a:t>
+            </a:r>
+          </a:p>
+          <a:p>
+            <a:endParaRPr lang="en-US" dirty="0"/>
+          </a:p>
+        </p:txBody>
+      </p:sp>
+    </p:spTree>
+    <p:extLst>
+      <p:ext uri="{BB962C8B-B14F-4D97-AF65-F5344CB8AC3E}">
+        <p14:creationId xmlns:p14="http://schemas.microsoft.com/office/powerpoint/2010/main" val="2243370155"/>
+      </p:ext>
+    </p:extLst>
+  </p:cSld>
+  <p:clrMapOvr>
+    <a:masterClrMapping/>
+  </p:clrMapOvr>
+</p:sld>
+</file>
+
+<file path=ppt/slides/slide21.xml><?xml version="1.0" encoding="utf-8"?>
+<p:sld xmlns:a="http://schemas.openxmlformats.org/drawingml/2006/main" xmlns:r="http://schemas.openxmlformats.org/officeDocument/2006/relationships" xmlns:p="http://schemas.openxmlformats.org/presentationml/2006/main">
+  <p:cSld>
+    <p:spTree>
+      <p:nvGrpSpPr>
+        <p:cNvPr id="1" name="Shape 170"/>
+        <p:cNvGrpSpPr/>
+        <p:nvPr/>
+      </p:nvGrpSpPr>
+      <p:grpSpPr>
+        <a:xfrm>
+          <a:off x="0" y="0"/>
+          <a:ext cx="0" cy="0"/>
+          <a:chOff x="0" y="0"/>
+          <a:chExt cx="0" cy="0"/>
+        </a:xfrm>
+      </p:grpSpPr>
+      <p:sp>
+        <p:nvSpPr>
+          <p:cNvPr id="171" name="Google Shape;171;p31"/>
+          <p:cNvSpPr txBox="1">
+            <a:spLocks noGrp="1"/>
+          </p:cNvSpPr>
+          <p:nvPr>
+            <p:ph type="title"/>
+          </p:nvPr>
+        </p:nvSpPr>
+        <p:spPr>
+          <a:xfrm>
+            <a:off x="415600" y="86563"/>
+            <a:ext cx="11360700" cy="763500"/>
+          </a:xfrm>
+          <a:prstGeom prst="rect">
+            <a:avLst/>
+          </a:prstGeom>
+          <a:noFill/>
+          <a:ln>
+            <a:noFill/>
+          </a:ln>
+        </p:spPr>
+        <p:txBody>
+          <a:bodyPr spcFirstLastPara="1" wrap="square" lIns="121900" tIns="121900" rIns="121900" bIns="121900" anchor="t" anchorCtr="0">
+            <a:noAutofit/>
+          </a:bodyPr>
+          <a:lstStyle/>
+          <a:p>
+            <a:pPr marL="0" lvl="0" indent="0" algn="l" rtl="0">
+              <a:lnSpc>
+                <a:spcPct val="100000"/>
+              </a:lnSpc>
+              <a:spcBef>
+                <a:spcPts val="0"/>
+              </a:spcBef>
+              <a:spcAft>
+                <a:spcPts val="0"/>
+              </a:spcAft>
+              <a:buClr>
+                <a:srgbClr val="FFFFFF"/>
+              </a:buClr>
+              <a:buSzPts val="3700"/>
+              <a:buNone/>
+            </a:pPr>
+            <a:r>
+              <a:rPr lang="en-US"/>
+              <a:t>Specialized “Interpretable” Models</a:t>
+            </a:r>
+            <a:endParaRPr/>
+          </a:p>
+        </p:txBody>
+      </p:sp>
+      <p:sp>
+        <p:nvSpPr>
+          <p:cNvPr id="172" name="Google Shape;172;p31"/>
+          <p:cNvSpPr txBox="1">
+            <a:spLocks noGrp="1"/>
+          </p:cNvSpPr>
+          <p:nvPr>
+            <p:ph type="body" idx="1"/>
+          </p:nvPr>
+        </p:nvSpPr>
+        <p:spPr>
+          <a:xfrm>
+            <a:off x="415600" y="1536633"/>
+            <a:ext cx="11360700" cy="4555200"/>
+          </a:xfrm>
+          <a:prstGeom prst="rect">
+            <a:avLst/>
+          </a:prstGeom>
+          <a:noFill/>
+          <a:ln>
+            <a:noFill/>
+          </a:ln>
+        </p:spPr>
+        <p:txBody>
+          <a:bodyPr spcFirstLastPara="1" wrap="square" lIns="121900" tIns="121900" rIns="121900" bIns="121900" anchor="t" anchorCtr="0">
+            <a:noAutofit/>
+          </a:bodyPr>
+          <a:lstStyle/>
+          <a:p>
+            <a:pPr marL="457200" lvl="0" indent="-381000" algn="l" rtl="0">
+              <a:lnSpc>
+                <a:spcPct val="115000"/>
+              </a:lnSpc>
+              <a:spcBef>
+                <a:spcPts val="0"/>
+              </a:spcBef>
+              <a:spcAft>
+                <a:spcPts val="0"/>
+              </a:spcAft>
+              <a:buClr>
+                <a:srgbClr val="434343"/>
+              </a:buClr>
+              <a:buSzPts val="2400"/>
+              <a:buChar char="●"/>
+            </a:pPr>
+            <a:r>
+              <a:rPr lang="en-US"/>
+              <a:t>Risk-SLIM – Ustun and Rudin. Learning Optimized Risk Scores from Large-Scale Datasets.KDD 2017</a:t>
+            </a:r>
+            <a:endParaRPr/>
+          </a:p>
+          <a:p>
+            <a:pPr marL="457200" lvl="0" indent="-228600" algn="l" rtl="0">
+              <a:lnSpc>
+                <a:spcPct val="115000"/>
+              </a:lnSpc>
+              <a:spcBef>
+                <a:spcPts val="0"/>
+              </a:spcBef>
+              <a:spcAft>
+                <a:spcPts val="0"/>
+              </a:spcAft>
+              <a:buClr>
+                <a:srgbClr val="434343"/>
+              </a:buClr>
+              <a:buSzPts val="2400"/>
+              <a:buNone/>
+            </a:pPr>
+            <a:endParaRPr/>
+          </a:p>
+          <a:p>
+            <a:pPr marL="457200" lvl="0" indent="-381000" algn="l" rtl="0">
+              <a:lnSpc>
+                <a:spcPct val="115000"/>
+              </a:lnSpc>
+              <a:spcBef>
+                <a:spcPts val="0"/>
+              </a:spcBef>
+              <a:spcAft>
+                <a:spcPts val="0"/>
+              </a:spcAft>
+              <a:buClr>
+                <a:srgbClr val="434343"/>
+              </a:buClr>
+              <a:buSzPts val="2400"/>
+              <a:buChar char="●"/>
+            </a:pPr>
+            <a:r>
+              <a:rPr lang="en-US"/>
+              <a:t>Generalized Additive Model (GAM): </a:t>
+            </a:r>
+            <a:r>
+              <a:rPr lang="en-US" u="sng">
+                <a:solidFill>
+                  <a:schemeClr val="hlink"/>
+                </a:solidFill>
+                <a:hlinkClick r:id="rId3"/>
+              </a:rPr>
+              <a:t>Additive models </a:t>
+            </a:r>
+            <a:r>
+              <a:rPr lang="en-US"/>
+              <a:t>– Caruana et al. "Intelligible models for healthcare: Predicting pneumonia risk and hospital 30-day readmission." </a:t>
+            </a:r>
+            <a:r>
+              <a:rPr lang="en-US" i="1"/>
+              <a:t>KDD 2015)</a:t>
+            </a:r>
+            <a:endParaRPr/>
+          </a:p>
+          <a:p>
+            <a:pPr marL="457200" lvl="0" indent="-228600" algn="l" rtl="0">
+              <a:lnSpc>
+                <a:spcPct val="115000"/>
+              </a:lnSpc>
+              <a:spcBef>
+                <a:spcPts val="0"/>
+              </a:spcBef>
+              <a:spcAft>
+                <a:spcPts val="0"/>
+              </a:spcAft>
+              <a:buClr>
+                <a:srgbClr val="434343"/>
+              </a:buClr>
+              <a:buSzPts val="2400"/>
+              <a:buNone/>
+            </a:pPr>
+            <a:endParaRPr/>
+          </a:p>
+          <a:p>
+            <a:pPr marL="457200" lvl="0" indent="-228600" algn="l" rtl="0">
+              <a:lnSpc>
+                <a:spcPct val="115000"/>
+              </a:lnSpc>
+              <a:spcBef>
+                <a:spcPts val="0"/>
+              </a:spcBef>
+              <a:spcAft>
+                <a:spcPts val="0"/>
+              </a:spcAft>
+              <a:buClr>
+                <a:srgbClr val="434343"/>
+              </a:buClr>
+              <a:buSzPts val="2400"/>
+              <a:buNone/>
+            </a:pPr>
+            <a:endParaRPr/>
+          </a:p>
+        </p:txBody>
+      </p:sp>
+    </p:spTree>
+  </p:cSld>
+  <p:clrMapOvr>
+    <a:masterClrMapping/>
+  </p:clrMapOvr>
+</p:sld>
+</file>
+
+<file path=ppt/slides/slide22.xml><?xml version="1.0" encoding="utf-8"?>
+<p:sld xmlns:a="http://schemas.openxmlformats.org/drawingml/2006/main" xmlns:r="http://schemas.openxmlformats.org/officeDocument/2006/relationships" xmlns:p="http://schemas.openxmlformats.org/presentationml/2006/main">
+  <p:cSld>
+    <p:spTree>
+      <p:nvGrpSpPr>
+        <p:cNvPr id="1" name="Shape 176"/>
+        <p:cNvGrpSpPr/>
+        <p:nvPr/>
+      </p:nvGrpSpPr>
+      <p:grpSpPr>
+        <a:xfrm>
+          <a:off x="0" y="0"/>
+          <a:ext cx="0" cy="0"/>
+          <a:chOff x="0" y="0"/>
+          <a:chExt cx="0" cy="0"/>
+        </a:xfrm>
+      </p:grpSpPr>
+      <p:pic>
+        <p:nvPicPr>
+          <p:cNvPr id="177" name="Google Shape;177;p32"/>
+          <p:cNvPicPr preferRelativeResize="0"/>
+          <p:nvPr/>
+        </p:nvPicPr>
+        <p:blipFill>
+          <a:blip r:embed="rId3">
+            <a:alphaModFix/>
+          </a:blip>
+          <a:stretch>
+            <a:fillRect/>
+          </a:stretch>
+        </p:blipFill>
+        <p:spPr>
+          <a:xfrm>
+            <a:off x="1965488" y="207302"/>
+            <a:ext cx="8261024" cy="6443400"/>
+          </a:xfrm>
+          <a:prstGeom prst="rect">
+            <a:avLst/>
+          </a:prstGeom>
+          <a:noFill/>
+          <a:ln>
+            <a:noFill/>
+          </a:ln>
+        </p:spPr>
+      </p:pic>
+    </p:spTree>
+  </p:cSld>
+  <p:clrMapOvr>
+    <a:masterClrMapping/>
+  </p:clrMapOvr>
+</p:sld>
+</file>
+
+<file path=ppt/slides/slide23.xml><?xml version="1.0" encoding="utf-8"?>
+<p:sld xmlns:a="http://schemas.openxmlformats.org/drawingml/2006/main" xmlns:r="http://schemas.openxmlformats.org/officeDocument/2006/relationships" xmlns:p="http://schemas.openxmlformats.org/presentationml/2006/main">
+  <p:cSld>
+    <p:spTree>
+      <p:nvGrpSpPr>
+        <p:cNvPr id="1" name="Shape 181"/>
+        <p:cNvGrpSpPr/>
+        <p:nvPr/>
+      </p:nvGrpSpPr>
+      <p:grpSpPr>
+        <a:xfrm>
+          <a:off x="0" y="0"/>
+          <a:ext cx="0" cy="0"/>
+          <a:chOff x="0" y="0"/>
+          <a:chExt cx="0" cy="0"/>
+        </a:xfrm>
+      </p:grpSpPr>
+      <p:pic>
+        <p:nvPicPr>
+          <p:cNvPr id="182" name="Google Shape;182;g72001f471e_0_19"/>
+          <p:cNvPicPr preferRelativeResize="0"/>
+          <p:nvPr/>
+        </p:nvPicPr>
+        <p:blipFill rotWithShape="1">
+          <a:blip r:embed="rId3">
+            <a:alphaModFix/>
+          </a:blip>
+          <a:srcRect r="50927" b="79077"/>
+          <a:stretch/>
+        </p:blipFill>
+        <p:spPr>
+          <a:xfrm>
+            <a:off x="864125" y="1689175"/>
+            <a:ext cx="10463750" cy="3479650"/>
+          </a:xfrm>
+          <a:prstGeom prst="rect">
+            <a:avLst/>
+          </a:prstGeom>
+          <a:noFill/>
+          <a:ln>
+            <a:noFill/>
+          </a:ln>
+        </p:spPr>
+      </p:pic>
+    </p:spTree>
+  </p:cSld>
+  <p:clrMapOvr>
+    <a:masterClrMapping/>
+  </p:clrMapOvr>
+</p:sld>
+</file>
+
+<file path=ppt/slides/slide24.xml><?xml version="1.0" encoding="utf-8"?>
+<p:sld xmlns:a="http://schemas.openxmlformats.org/drawingml/2006/main" xmlns:r="http://schemas.openxmlformats.org/officeDocument/2006/relationships" xmlns:p="http://schemas.openxmlformats.org/presentationml/2006/main" show="0">
+  <p:cSld>
+    <p:spTree>
+      <p:nvGrpSpPr>
+        <p:cNvPr id="1" name="Shape 186"/>
+        <p:cNvGrpSpPr/>
+        <p:nvPr/>
+      </p:nvGrpSpPr>
+      <p:grpSpPr>
+        <a:xfrm>
+          <a:off x="0" y="0"/>
+          <a:ext cx="0" cy="0"/>
+          <a:chOff x="0" y="0"/>
+          <a:chExt cx="0" cy="0"/>
+        </a:xfrm>
+      </p:grpSpPr>
+      <p:sp>
+        <p:nvSpPr>
+          <p:cNvPr id="187" name="Google Shape;187;g72001f471e_0_12"/>
+          <p:cNvSpPr txBox="1">
+            <a:spLocks noGrp="1"/>
+          </p:cNvSpPr>
+          <p:nvPr>
+            <p:ph type="title"/>
+          </p:nvPr>
+        </p:nvSpPr>
+        <p:spPr>
+          <a:xfrm>
+            <a:off x="415600" y="86563"/>
+            <a:ext cx="11360700" cy="763500"/>
+          </a:xfrm>
+          <a:prstGeom prst="rect">
+            <a:avLst/>
+          </a:prstGeom>
+          <a:noFill/>
+          <a:ln>
+            <a:noFill/>
+          </a:ln>
+        </p:spPr>
+        <p:txBody>
+          <a:bodyPr spcFirstLastPara="1" wrap="square" lIns="121900" tIns="121900" rIns="121900" bIns="121900" anchor="t" anchorCtr="0">
+            <a:noAutofit/>
+          </a:bodyPr>
+          <a:lstStyle/>
+          <a:p>
+            <a:pPr marL="0" lvl="0" indent="0" algn="l" rtl="0">
+              <a:lnSpc>
+                <a:spcPct val="100000"/>
+              </a:lnSpc>
+              <a:spcBef>
+                <a:spcPts val="0"/>
+              </a:spcBef>
+              <a:spcAft>
+                <a:spcPts val="0"/>
+              </a:spcAft>
+              <a:buClr>
+                <a:srgbClr val="FFFFFF"/>
+              </a:buClr>
+              <a:buSzPts val="3700"/>
+              <a:buNone/>
+            </a:pPr>
+            <a:endParaRPr/>
+          </a:p>
+        </p:txBody>
+      </p:sp>
+      <p:sp>
+        <p:nvSpPr>
+          <p:cNvPr id="188" name="Google Shape;188;g72001f471e_0_12"/>
+          <p:cNvSpPr txBox="1">
+            <a:spLocks noGrp="1"/>
+          </p:cNvSpPr>
+          <p:nvPr>
+            <p:ph type="body" idx="1"/>
+          </p:nvPr>
+        </p:nvSpPr>
+        <p:spPr>
+          <a:xfrm>
+            <a:off x="415600" y="1536633"/>
+            <a:ext cx="11360700" cy="4555200"/>
+          </a:xfrm>
+          <a:prstGeom prst="rect">
+            <a:avLst/>
+          </a:prstGeom>
+          <a:noFill/>
+          <a:ln>
+            <a:noFill/>
+          </a:ln>
+        </p:spPr>
+        <p:txBody>
+          <a:bodyPr spcFirstLastPara="1" wrap="square" lIns="121900" tIns="121900" rIns="121900" bIns="121900" anchor="t" anchorCtr="0">
+            <a:noAutofit/>
+          </a:bodyPr>
+          <a:lstStyle/>
+          <a:p>
+            <a:pPr marL="457200" lvl="0" indent="-228600" algn="l" rtl="0">
+              <a:lnSpc>
+                <a:spcPct val="115000"/>
+              </a:lnSpc>
+              <a:spcBef>
+                <a:spcPts val="0"/>
+              </a:spcBef>
+              <a:spcAft>
+                <a:spcPts val="0"/>
+              </a:spcAft>
+              <a:buClr>
+                <a:srgbClr val="434343"/>
+              </a:buClr>
+              <a:buSzPts val="2400"/>
+              <a:buNone/>
+            </a:pPr>
+            <a:endParaRPr/>
+          </a:p>
+        </p:txBody>
+      </p:sp>
+      <p:pic>
+        <p:nvPicPr>
+          <p:cNvPr id="189" name="Google Shape;189;g72001f471e_0_12"/>
+          <p:cNvPicPr preferRelativeResize="0"/>
+          <p:nvPr/>
+        </p:nvPicPr>
+        <p:blipFill rotWithShape="1">
+          <a:blip r:embed="rId3">
+            <a:alphaModFix/>
+          </a:blip>
+          <a:srcRect/>
+          <a:stretch/>
+        </p:blipFill>
+        <p:spPr>
+          <a:xfrm>
+            <a:off x="745689" y="-1111783"/>
+            <a:ext cx="10770402" cy="13298477"/>
+          </a:xfrm>
+          <a:prstGeom prst="rect">
+            <a:avLst/>
+          </a:prstGeom>
+          <a:noFill/>
+          <a:ln>
+            <a:noFill/>
+          </a:ln>
+        </p:spPr>
+      </p:pic>
+    </p:spTree>
+  </p:cSld>
+  <p:clrMapOvr>
+    <a:masterClrMapping/>
+  </p:clrMapOvr>
+</p:sld>
+</file>
+
+<file path=ppt/slides/slide25.xml><?xml version="1.0" encoding="utf-8"?>
+<p:sld xmlns:a="http://schemas.openxmlformats.org/drawingml/2006/main" xmlns:r="http://schemas.openxmlformats.org/officeDocument/2006/relationships" xmlns:p="http://schemas.openxmlformats.org/presentationml/2006/main">
+  <p:cSld>
+    <p:spTree>
+      <p:nvGrpSpPr>
+        <p:cNvPr id="1" name="Shape 193"/>
+        <p:cNvGrpSpPr/>
+        <p:nvPr/>
+      </p:nvGrpSpPr>
+      <p:grpSpPr>
+        <a:xfrm>
+          <a:off x="0" y="0"/>
+          <a:ext cx="0" cy="0"/>
+          <a:chOff x="0" y="0"/>
+          <a:chExt cx="0" cy="0"/>
+        </a:xfrm>
+      </p:grpSpPr>
+      <p:sp>
+        <p:nvSpPr>
+          <p:cNvPr id="194" name="Google Shape;194;p33"/>
+          <p:cNvSpPr txBox="1">
+            <a:spLocks noGrp="1"/>
+          </p:cNvSpPr>
+          <p:nvPr>
+            <p:ph type="title"/>
+          </p:nvPr>
+        </p:nvSpPr>
+        <p:spPr>
+          <a:xfrm>
+            <a:off x="415600" y="86563"/>
+            <a:ext cx="11360700" cy="763500"/>
+          </a:xfrm>
+          <a:prstGeom prst="rect">
+            <a:avLst/>
+          </a:prstGeom>
+          <a:noFill/>
+          <a:ln>
+            <a:noFill/>
+          </a:ln>
+        </p:spPr>
+        <p:txBody>
+          <a:bodyPr spcFirstLastPara="1" wrap="square" lIns="121900" tIns="121900" rIns="121900" bIns="121900" anchor="t" anchorCtr="0">
+            <a:noAutofit/>
+          </a:bodyPr>
+          <a:lstStyle/>
+          <a:p>
+            <a:pPr marL="0" lvl="0" indent="0" algn="l" rtl="0">
+              <a:lnSpc>
+                <a:spcPct val="100000"/>
+              </a:lnSpc>
+              <a:spcBef>
+                <a:spcPts val="0"/>
+              </a:spcBef>
+              <a:spcAft>
+                <a:spcPts val="0"/>
+              </a:spcAft>
+              <a:buClr>
+                <a:srgbClr val="FFFFFF"/>
+              </a:buClr>
+              <a:buSzPts val="3700"/>
+              <a:buNone/>
+            </a:pPr>
+            <a:r>
+              <a:rPr lang="en-US"/>
+              <a:t>Sparse Models (RiskSLIM)</a:t>
+            </a:r>
+            <a:endParaRPr/>
+          </a:p>
+        </p:txBody>
+      </p:sp>
+      <p:sp>
+        <p:nvSpPr>
+          <p:cNvPr id="195" name="Google Shape;195;p33"/>
+          <p:cNvSpPr txBox="1">
+            <a:spLocks noGrp="1"/>
+          </p:cNvSpPr>
+          <p:nvPr>
+            <p:ph type="body" idx="1"/>
+          </p:nvPr>
+        </p:nvSpPr>
+        <p:spPr>
+          <a:xfrm>
+            <a:off x="415600" y="1536633"/>
+            <a:ext cx="11360700" cy="4555200"/>
+          </a:xfrm>
+          <a:prstGeom prst="rect">
+            <a:avLst/>
+          </a:prstGeom>
+          <a:noFill/>
+          <a:ln>
+            <a:noFill/>
+          </a:ln>
+        </p:spPr>
+        <p:txBody>
+          <a:bodyPr spcFirstLastPara="1" wrap="square" lIns="121900" tIns="121900" rIns="121900" bIns="121900" anchor="t" anchorCtr="0">
+            <a:noAutofit/>
+          </a:bodyPr>
+          <a:lstStyle/>
+          <a:p>
+            <a:pPr marL="457200" lvl="0" indent="-228600" algn="l" rtl="0">
+              <a:lnSpc>
+                <a:spcPct val="115000"/>
+              </a:lnSpc>
+              <a:spcBef>
+                <a:spcPts val="0"/>
+              </a:spcBef>
+              <a:spcAft>
+                <a:spcPts val="0"/>
+              </a:spcAft>
+              <a:buClr>
+                <a:srgbClr val="434343"/>
+              </a:buClr>
+              <a:buSzPts val="2400"/>
+              <a:buNone/>
+            </a:pPr>
+            <a:endParaRPr/>
+          </a:p>
+        </p:txBody>
+      </p:sp>
+      <p:pic>
+        <p:nvPicPr>
+          <p:cNvPr id="196" name="Google Shape;196;p33"/>
+          <p:cNvPicPr preferRelativeResize="0"/>
+          <p:nvPr/>
+        </p:nvPicPr>
+        <p:blipFill rotWithShape="1">
+          <a:blip r:embed="rId3">
+            <a:alphaModFix/>
+          </a:blip>
+          <a:srcRect/>
+          <a:stretch/>
+        </p:blipFill>
+        <p:spPr>
+          <a:xfrm>
+            <a:off x="297707" y="1271841"/>
+            <a:ext cx="11694763" cy="4460689"/>
+          </a:xfrm>
+          <a:prstGeom prst="rect">
+            <a:avLst/>
+          </a:prstGeom>
+          <a:solidFill>
+            <a:srgbClr val="FFC000"/>
+          </a:solidFill>
+          <a:ln w="57150" cap="flat" cmpd="sng">
+            <a:solidFill>
+              <a:schemeClr val="accent2"/>
+            </a:solidFill>
+            <a:prstDash val="solid"/>
+            <a:round/>
+            <a:headEnd type="none" w="sm" len="sm"/>
+            <a:tailEnd type="none" w="sm" len="sm"/>
+          </a:ln>
+        </p:spPr>
+      </p:pic>
+    </p:spTree>
+  </p:cSld>
+  <p:clrMapOvr>
+    <a:masterClrMapping/>
+  </p:clrMapOvr>
+</p:sld>
+</file>
+
+<file path=ppt/slides/slide26.xml><?xml version="1.0" encoding="utf-8"?>
 <p:sld xmlns:a="http://schemas.openxmlformats.org/drawingml/2006/main" xmlns:r="http://schemas.openxmlformats.org/officeDocument/2006/relationships" xmlns:p="http://schemas.openxmlformats.org/presentationml/2006/main">
   <p:cSld>
     <p:spTree>
@@ -20189,22 +18776,16 @@
             <a:endParaRPr lang="en-US" dirty="0"/>
           </a:p>
           <a:p>
-            <a:r>
-              <a:rPr lang="en-US" dirty="0"/>
-              <a:t>Project check-ins on Wednesday/Thursday</a:t>
-            </a:r>
-          </a:p>
-          <a:p>
-            <a:r>
-              <a:rPr lang="en-US" dirty="0"/>
-              <a:t>Course feedback session Thursday (first half hour)</a:t>
-            </a:r>
+            <a:pPr marL="76200" indent="0">
+              <a:buNone/>
+            </a:pPr>
+            <a:endParaRPr lang="en-US" b="1" dirty="0"/>
           </a:p>
           <a:p>
             <a:pPr marL="76200" indent="0">
               <a:buNone/>
             </a:pPr>
-            <a:endParaRPr lang="en-US" dirty="0"/>
+            <a:endParaRPr lang="en-US" b="1" dirty="0"/>
           </a:p>
           <a:p>
             <a:pPr marL="76200" indent="0">
@@ -20213,33 +18794,6 @@
             <a:r>
               <a:rPr lang="en-US" b="1" dirty="0"/>
               <a:t>Coming up next week:</a:t>
-            </a:r>
-          </a:p>
-          <a:p>
-            <a:r>
-              <a:rPr lang="en-US" dirty="0"/>
-              <a:t>Due </a:t>
-            </a:r>
-            <a:r>
-              <a:rPr lang="en-US" b="1" dirty="0"/>
-              <a:t>Mon/Tues</a:t>
-            </a:r>
-            <a:r>
-              <a:rPr lang="en-US" dirty="0"/>
-              <a:t>: </a:t>
-            </a:r>
-            <a:r>
-              <a:rPr lang="en-US" dirty="0">
-                <a:hlinkClick r:id="rId2"/>
-              </a:rPr>
-              <a:t>update assignment</a:t>
-            </a:r>
-            <a:endParaRPr lang="en-US" dirty="0"/>
-          </a:p>
-          <a:p>
-            <a:r>
-              <a:rPr lang="en-US" dirty="0"/>
-              <a:t>Readings for Tuesday: local interpretability</a:t>
             </a:r>
           </a:p>
         </p:txBody>
@@ -20247,7 +18801,7 @@
     </p:spTree>
     <p:extLst>
       <p:ext uri="{BB962C8B-B14F-4D97-AF65-F5344CB8AC3E}">
-        <p14:creationId xmlns:p14="http://schemas.microsoft.com/office/powerpoint/2010/main" val="2772368304"/>
+        <p14:creationId xmlns:p14="http://schemas.microsoft.com/office/powerpoint/2010/main" val="379746595"/>
       </p:ext>
     </p:extLst>
   </p:cSld>
@@ -20257,7 +18811,7 @@
 </p:sld>
 </file>
 
-<file path=ppt/slides/slide4.xml><?xml version="1.0" encoding="utf-8"?>
+<file path=ppt/slides/slide3.xml><?xml version="1.0" encoding="utf-8"?>
 <p:sld xmlns:a="http://schemas.openxmlformats.org/drawingml/2006/main" xmlns:r="http://schemas.openxmlformats.org/officeDocument/2006/relationships" xmlns:p="http://schemas.openxmlformats.org/presentationml/2006/main">
   <p:cSld>
     <p:spTree>
@@ -20332,14 +18886,7 @@
             <a:pPr lvl="1"/>
             <a:r>
               <a:rPr lang="en-US" dirty="0"/>
-              <a:t>Any additional models/features you want to build</a:t>
-            </a:r>
-          </a:p>
-          <a:p>
-            <a:pPr lvl="1"/>
-            <a:r>
-              <a:rPr lang="en-US" dirty="0"/>
-              <a:t>Model selection strategies</a:t>
+              <a:t>Additional models and features you want to build</a:t>
             </a:r>
           </a:p>
           <a:p>
@@ -20356,14 +18903,14 @@
             <a:pPr lvl="1"/>
             <a:r>
               <a:rPr lang="en-US" dirty="0"/>
-              <a:t>High-priority features</a:t>
+              <a:t>Next set of high priority features</a:t>
             </a:r>
           </a:p>
           <a:p>
             <a:pPr lvl="1"/>
             <a:r>
               <a:rPr lang="en-US" dirty="0"/>
-              <a:t>Running a grid of models + hyperparameters across time splits</a:t>
+              <a:t>Running a grid of models + hyperparameters across all time splits</a:t>
             </a:r>
           </a:p>
         </p:txBody>
@@ -20381,7 +18928,7 @@
 </p:sld>
 </file>
 
-<file path=ppt/slides/slide5.xml><?xml version="1.0" encoding="utf-8"?>
+<file path=ppt/slides/slide4.xml><?xml version="1.0" encoding="utf-8"?>
 <p:sld xmlns:a="http://schemas.openxmlformats.org/drawingml/2006/main" xmlns:r="http://schemas.openxmlformats.org/officeDocument/2006/relationships" xmlns:p="http://schemas.openxmlformats.org/presentationml/2006/main">
   <p:cSld>
     <p:spTree>
@@ -20510,7 +19057,7 @@
 </p:sld>
 </file>
 
-<file path=ppt/slides/slide6.xml><?xml version="1.0" encoding="utf-8"?>
+<file path=ppt/slides/slide5.xml><?xml version="1.0" encoding="utf-8"?>
 <p:sld xmlns:a="http://schemas.openxmlformats.org/drawingml/2006/main" xmlns:r="http://schemas.openxmlformats.org/officeDocument/2006/relationships" xmlns:p="http://schemas.openxmlformats.org/presentationml/2006/main">
   <p:cSld>
     <p:spTree>
@@ -20762,7 +19309,7 @@
 </p:sld>
 </file>
 
-<file path=ppt/slides/slide7.xml><?xml version="1.0" encoding="utf-8"?>
+<file path=ppt/slides/slide6.xml><?xml version="1.0" encoding="utf-8"?>
 <p:sld xmlns:a="http://schemas.openxmlformats.org/drawingml/2006/main" xmlns:r="http://schemas.openxmlformats.org/officeDocument/2006/relationships" xmlns:p="http://schemas.openxmlformats.org/presentationml/2006/main">
   <p:cSld>
     <p:spTree>
@@ -20840,7 +19387,7 @@
 </p:sld>
 </file>
 
-<file path=ppt/slides/slide8.xml><?xml version="1.0" encoding="utf-8"?>
+<file path=ppt/slides/slide7.xml><?xml version="1.0" encoding="utf-8"?>
 <p:sld xmlns:a="http://schemas.openxmlformats.org/drawingml/2006/main" xmlns:r="http://schemas.openxmlformats.org/officeDocument/2006/relationships" xmlns:p="http://schemas.openxmlformats.org/presentationml/2006/main">
   <p:cSld>
     <p:spTree>
@@ -21063,7 +19610,7 @@
 </p:sld>
 </file>
 
-<file path=ppt/slides/slide9.xml><?xml version="1.0" encoding="utf-8"?>
+<file path=ppt/slides/slide8.xml><?xml version="1.0" encoding="utf-8"?>
 <p:sld xmlns:a="http://schemas.openxmlformats.org/drawingml/2006/main" xmlns:r="http://schemas.openxmlformats.org/officeDocument/2006/relationships" xmlns:p="http://schemas.openxmlformats.org/presentationml/2006/main">
   <p:cSld>
     <p:spTree>
@@ -21759,6 +20306,820 @@
 </p:sld>
 </file>
 
+<file path=ppt/slides/slide9.xml><?xml version="1.0" encoding="utf-8"?>
+<p:sld xmlns:a="http://schemas.openxmlformats.org/drawingml/2006/main" xmlns:r="http://schemas.openxmlformats.org/officeDocument/2006/relationships" xmlns:p="http://schemas.openxmlformats.org/presentationml/2006/main">
+  <p:cSld>
+    <p:spTree>
+      <p:nvGrpSpPr>
+        <p:cNvPr id="1" name="Shape 82"/>
+        <p:cNvGrpSpPr/>
+        <p:nvPr/>
+      </p:nvGrpSpPr>
+      <p:grpSpPr>
+        <a:xfrm>
+          <a:off x="0" y="0"/>
+          <a:ext cx="0" cy="0"/>
+          <a:chOff x="0" y="0"/>
+          <a:chExt cx="0" cy="0"/>
+        </a:xfrm>
+      </p:grpSpPr>
+      <p:sp>
+        <p:nvSpPr>
+          <p:cNvPr id="83" name="Google Shape;83;g71c82016f7_0_5"/>
+          <p:cNvSpPr txBox="1">
+            <a:spLocks noGrp="1"/>
+          </p:cNvSpPr>
+          <p:nvPr>
+            <p:ph type="title"/>
+          </p:nvPr>
+        </p:nvSpPr>
+        <p:spPr>
+          <a:xfrm>
+            <a:off x="415600" y="86563"/>
+            <a:ext cx="11360700" cy="763500"/>
+          </a:xfrm>
+          <a:prstGeom prst="rect">
+            <a:avLst/>
+          </a:prstGeom>
+          <a:noFill/>
+          <a:ln>
+            <a:noFill/>
+          </a:ln>
+        </p:spPr>
+        <p:txBody>
+          <a:bodyPr spcFirstLastPara="1" wrap="square" lIns="121900" tIns="121900" rIns="121900" bIns="121900" anchor="t" anchorCtr="0">
+            <a:noAutofit/>
+          </a:bodyPr>
+          <a:lstStyle/>
+          <a:p>
+            <a:pPr marL="0" lvl="0" indent="0" algn="l" rtl="0">
+              <a:lnSpc>
+                <a:spcPct val="100000"/>
+              </a:lnSpc>
+              <a:spcBef>
+                <a:spcPts val="0"/>
+              </a:spcBef>
+              <a:spcAft>
+                <a:spcPts val="0"/>
+              </a:spcAft>
+              <a:buClr>
+                <a:srgbClr val="FFFFFF"/>
+              </a:buClr>
+              <a:buSzPts val="3700"/>
+              <a:buNone/>
+            </a:pPr>
+            <a:r>
+              <a:rPr lang="en-US"/>
+              <a:t>Global Vs Local</a:t>
+            </a:r>
+            <a:endParaRPr/>
+          </a:p>
+        </p:txBody>
+      </p:sp>
+      <p:graphicFrame>
+        <p:nvGraphicFramePr>
+          <p:cNvPr id="84" name="Google Shape;84;g71c82016f7_0_5"/>
+          <p:cNvGraphicFramePr/>
+          <p:nvPr/>
+        </p:nvGraphicFramePr>
+        <p:xfrm>
+          <a:off x="263476" y="1762929"/>
+          <a:ext cx="11664950" cy="3173270"/>
+        </p:xfrm>
+        <a:graphic>
+          <a:graphicData uri="http://schemas.openxmlformats.org/drawingml/2006/table">
+            <a:tbl>
+              <a:tblPr firstRow="1" bandRow="1">
+                <a:noFill/>
+                <a:tableStyleId>{5A04CC6A-533F-41F1-990F-45FB056E221C}</a:tableStyleId>
+              </a:tblPr>
+              <a:tblGrid>
+                <a:gridCol w="2052875">
+                  <a:extLst>
+                    <a:ext uri="{9D8B030D-6E8A-4147-A177-3AD203B41FA5}">
+                      <a16:colId xmlns:a16="http://schemas.microsoft.com/office/drawing/2014/main" val="20000"/>
+                    </a:ext>
+                  </a:extLst>
+                </a:gridCol>
+                <a:gridCol w="3657600">
+                  <a:extLst>
+                    <a:ext uri="{9D8B030D-6E8A-4147-A177-3AD203B41FA5}">
+                      <a16:colId xmlns:a16="http://schemas.microsoft.com/office/drawing/2014/main" val="20001"/>
+                    </a:ext>
+                  </a:extLst>
+                </a:gridCol>
+                <a:gridCol w="3657600">
+                  <a:extLst>
+                    <a:ext uri="{9D8B030D-6E8A-4147-A177-3AD203B41FA5}">
+                      <a16:colId xmlns:a16="http://schemas.microsoft.com/office/drawing/2014/main" val="20002"/>
+                    </a:ext>
+                  </a:extLst>
+                </a:gridCol>
+                <a:gridCol w="2296875">
+                  <a:extLst>
+                    <a:ext uri="{9D8B030D-6E8A-4147-A177-3AD203B41FA5}">
+                      <a16:colId xmlns:a16="http://schemas.microsoft.com/office/drawing/2014/main" val="20003"/>
+                    </a:ext>
+                  </a:extLst>
+                </a:gridCol>
+              </a:tblGrid>
+              <a:tr h="494450">
+                <a:tc>
+                  <a:txBody>
+                    <a:bodyPr/>
+                    <a:lstStyle/>
+                    <a:p>
+                      <a:pPr marL="0" marR="0" lvl="0" indent="0" algn="l" rtl="0">
+                        <a:lnSpc>
+                          <a:spcPct val="100000"/>
+                        </a:lnSpc>
+                        <a:spcBef>
+                          <a:spcPts val="0"/>
+                        </a:spcBef>
+                        <a:spcAft>
+                          <a:spcPts val="0"/>
+                        </a:spcAft>
+                        <a:buNone/>
+                      </a:pPr>
+                      <a:r>
+                        <a:rPr lang="en-US" sz="2000" u="none" strike="noStrike" cap="none"/>
+                        <a:t>Use Case</a:t>
+                      </a:r>
+                      <a:endParaRPr/>
+                    </a:p>
+                  </a:txBody>
+                  <a:tcPr marL="121925" marR="121925" marT="60950" marB="60950"/>
+                </a:tc>
+                <a:tc>
+                  <a:txBody>
+                    <a:bodyPr/>
+                    <a:lstStyle/>
+                    <a:p>
+                      <a:pPr marL="0" marR="0" lvl="0" indent="0" algn="l" rtl="0">
+                        <a:lnSpc>
+                          <a:spcPct val="100000"/>
+                        </a:lnSpc>
+                        <a:spcBef>
+                          <a:spcPts val="0"/>
+                        </a:spcBef>
+                        <a:spcAft>
+                          <a:spcPts val="0"/>
+                        </a:spcAft>
+                        <a:buNone/>
+                      </a:pPr>
+                      <a:r>
+                        <a:rPr lang="en-US" sz="2000" u="none" strike="noStrike" cap="none"/>
+                        <a:t>User</a:t>
+                      </a:r>
+                      <a:endParaRPr/>
+                    </a:p>
+                  </a:txBody>
+                  <a:tcPr marL="121925" marR="121925" marT="60950" marB="60950"/>
+                </a:tc>
+                <a:tc>
+                  <a:txBody>
+                    <a:bodyPr/>
+                    <a:lstStyle/>
+                    <a:p>
+                      <a:pPr marL="0" marR="0" lvl="0" indent="0" algn="l" rtl="0">
+                        <a:lnSpc>
+                          <a:spcPct val="100000"/>
+                        </a:lnSpc>
+                        <a:spcBef>
+                          <a:spcPts val="0"/>
+                        </a:spcBef>
+                        <a:spcAft>
+                          <a:spcPts val="0"/>
+                        </a:spcAft>
+                        <a:buNone/>
+                      </a:pPr>
+                      <a:r>
+                        <a:rPr lang="en-US" sz="2000" u="none" strike="noStrike" cap="none"/>
+                        <a:t>Goal</a:t>
+                      </a:r>
+                      <a:endParaRPr/>
+                    </a:p>
+                  </a:txBody>
+                  <a:tcPr marL="121925" marR="121925" marT="60950" marB="60950"/>
+                </a:tc>
+                <a:tc>
+                  <a:txBody>
+                    <a:bodyPr/>
+                    <a:lstStyle/>
+                    <a:p>
+                      <a:pPr marL="0" marR="0" lvl="0" indent="0" algn="l" rtl="0">
+                        <a:lnSpc>
+                          <a:spcPct val="100000"/>
+                        </a:lnSpc>
+                        <a:spcBef>
+                          <a:spcPts val="0"/>
+                        </a:spcBef>
+                        <a:spcAft>
+                          <a:spcPts val="0"/>
+                        </a:spcAft>
+                        <a:buNone/>
+                      </a:pPr>
+                      <a:r>
+                        <a:rPr lang="en-US" sz="2000" u="none" strike="noStrike" cap="none"/>
+                        <a:t>Global or Local</a:t>
+                      </a:r>
+                      <a:endParaRPr/>
+                    </a:p>
+                  </a:txBody>
+                  <a:tcPr marL="121925" marR="121925" marT="60950" marB="60950"/>
+                </a:tc>
+                <a:extLst>
+                  <a:ext uri="{0D108BD9-81ED-4DB2-BD59-A6C34878D82A}">
+                    <a16:rowId xmlns:a16="http://schemas.microsoft.com/office/drawing/2014/main" val="10000"/>
+                  </a:ext>
+                </a:extLst>
+              </a:tr>
+              <a:tr h="494450">
+                <a:tc>
+                  <a:txBody>
+                    <a:bodyPr/>
+                    <a:lstStyle/>
+                    <a:p>
+                      <a:pPr marL="0" marR="0" lvl="0" indent="0" algn="l" rtl="0">
+                        <a:lnSpc>
+                          <a:spcPct val="100000"/>
+                        </a:lnSpc>
+                        <a:spcBef>
+                          <a:spcPts val="0"/>
+                        </a:spcBef>
+                        <a:spcAft>
+                          <a:spcPts val="0"/>
+                        </a:spcAft>
+                        <a:buNone/>
+                      </a:pPr>
+                      <a:r>
+                        <a:rPr lang="en-US" sz="1900" u="none" strike="noStrike" cap="none"/>
+                        <a:t>Debugging</a:t>
+                      </a:r>
+                      <a:endParaRPr/>
+                    </a:p>
+                  </a:txBody>
+                  <a:tcPr marL="121925" marR="121925" marT="60950" marB="60950"/>
+                </a:tc>
+                <a:tc>
+                  <a:txBody>
+                    <a:bodyPr/>
+                    <a:lstStyle/>
+                    <a:p>
+                      <a:pPr marL="0" marR="0" lvl="0" indent="0" algn="l" rtl="0">
+                        <a:lnSpc>
+                          <a:spcPct val="100000"/>
+                        </a:lnSpc>
+                        <a:spcBef>
+                          <a:spcPts val="0"/>
+                        </a:spcBef>
+                        <a:spcAft>
+                          <a:spcPts val="0"/>
+                        </a:spcAft>
+                        <a:buNone/>
+                      </a:pPr>
+                      <a:r>
+                        <a:rPr lang="en-US" sz="1900" u="none" strike="noStrike" cap="none"/>
+                        <a:t>ML Developer</a:t>
+                      </a:r>
+                      <a:endParaRPr/>
+                    </a:p>
+                  </a:txBody>
+                  <a:tcPr marL="121925" marR="121925" marT="60950" marB="60950"/>
+                </a:tc>
+                <a:tc>
+                  <a:txBody>
+                    <a:bodyPr/>
+                    <a:lstStyle/>
+                    <a:p>
+                      <a:pPr marL="0" marR="0" lvl="0" indent="0" algn="l" rtl="0">
+                        <a:lnSpc>
+                          <a:spcPct val="100000"/>
+                        </a:lnSpc>
+                        <a:spcBef>
+                          <a:spcPts val="0"/>
+                        </a:spcBef>
+                        <a:spcAft>
+                          <a:spcPts val="0"/>
+                        </a:spcAft>
+                        <a:buNone/>
+                      </a:pPr>
+                      <a:r>
+                        <a:rPr lang="en-US" sz="1900" u="none" strike="noStrike" cap="none"/>
+                        <a:t>Sanity check</a:t>
+                      </a:r>
+                      <a:endParaRPr/>
+                    </a:p>
+                  </a:txBody>
+                  <a:tcPr marL="121925" marR="121925" marT="60950" marB="60950"/>
+                </a:tc>
+                <a:tc>
+                  <a:txBody>
+                    <a:bodyPr/>
+                    <a:lstStyle/>
+                    <a:p>
+                      <a:pPr marL="0" marR="0" lvl="0" indent="0" algn="l" rtl="0">
+                        <a:lnSpc>
+                          <a:spcPct val="100000"/>
+                        </a:lnSpc>
+                        <a:spcBef>
+                          <a:spcPts val="0"/>
+                        </a:spcBef>
+                        <a:spcAft>
+                          <a:spcPts val="0"/>
+                        </a:spcAft>
+                        <a:buNone/>
+                      </a:pPr>
+                      <a:r>
+                        <a:rPr lang="en-US" sz="1900" u="none" strike="noStrike" cap="none"/>
+                        <a:t>Both</a:t>
+                      </a:r>
+                      <a:endParaRPr/>
+                    </a:p>
+                  </a:txBody>
+                  <a:tcPr marL="121925" marR="121925" marT="60950" marB="60950"/>
+                </a:tc>
+                <a:extLst>
+                  <a:ext uri="{0D108BD9-81ED-4DB2-BD59-A6C34878D82A}">
+                    <a16:rowId xmlns:a16="http://schemas.microsoft.com/office/drawing/2014/main" val="10001"/>
+                  </a:ext>
+                </a:extLst>
+              </a:tr>
+              <a:tr h="690875">
+                <a:tc>
+                  <a:txBody>
+                    <a:bodyPr/>
+                    <a:lstStyle/>
+                    <a:p>
+                      <a:pPr marL="0" marR="0" lvl="0" indent="0" algn="l" rtl="0">
+                        <a:lnSpc>
+                          <a:spcPct val="100000"/>
+                        </a:lnSpc>
+                        <a:spcBef>
+                          <a:spcPts val="0"/>
+                        </a:spcBef>
+                        <a:spcAft>
+                          <a:spcPts val="0"/>
+                        </a:spcAft>
+                        <a:buNone/>
+                      </a:pPr>
+                      <a:r>
+                        <a:rPr lang="en-US" sz="1900" u="none" strike="noStrike" cap="none"/>
+                        <a:t>Improving performance</a:t>
+                      </a:r>
+                      <a:endParaRPr/>
+                    </a:p>
+                  </a:txBody>
+                  <a:tcPr marL="121925" marR="121925" marT="60950" marB="60950"/>
+                </a:tc>
+                <a:tc>
+                  <a:txBody>
+                    <a:bodyPr/>
+                    <a:lstStyle/>
+                    <a:p>
+                      <a:pPr marL="0" marR="0" lvl="0" indent="0" algn="l" rtl="0">
+                        <a:lnSpc>
+                          <a:spcPct val="100000"/>
+                        </a:lnSpc>
+                        <a:spcBef>
+                          <a:spcPts val="0"/>
+                        </a:spcBef>
+                        <a:spcAft>
+                          <a:spcPts val="0"/>
+                        </a:spcAft>
+                        <a:buNone/>
+                      </a:pPr>
+                      <a:r>
+                        <a:rPr lang="en-US" sz="1900" u="none" strike="noStrike" cap="none"/>
+                        <a:t>Action-</a:t>
+                      </a:r>
+                      <a:endParaRPr/>
+                    </a:p>
+                    <a:p>
+                      <a:pPr marL="0" marR="0" lvl="0" indent="0" algn="l" rtl="0">
+                        <a:lnSpc>
+                          <a:spcPct val="100000"/>
+                        </a:lnSpc>
+                        <a:spcBef>
+                          <a:spcPts val="0"/>
+                        </a:spcBef>
+                        <a:spcAft>
+                          <a:spcPts val="0"/>
+                        </a:spcAft>
+                        <a:buNone/>
+                      </a:pPr>
+                      <a:r>
+                        <a:rPr lang="en-US" sz="1900" u="none" strike="noStrike" cap="none"/>
+                        <a:t>taker</a:t>
+                      </a:r>
+                      <a:endParaRPr/>
+                    </a:p>
+                  </a:txBody>
+                  <a:tcPr marL="121925" marR="121925" marT="60950" marB="60950"/>
+                </a:tc>
+                <a:tc>
+                  <a:txBody>
+                    <a:bodyPr/>
+                    <a:lstStyle/>
+                    <a:p>
+                      <a:pPr marL="0" marR="0" lvl="0" indent="0" algn="l" rtl="0">
+                        <a:lnSpc>
+                          <a:spcPct val="100000"/>
+                        </a:lnSpc>
+                        <a:spcBef>
+                          <a:spcPts val="0"/>
+                        </a:spcBef>
+                        <a:spcAft>
+                          <a:spcPts val="0"/>
+                        </a:spcAft>
+                        <a:buNone/>
+                      </a:pPr>
+                      <a:r>
+                        <a:rPr lang="en-US" sz="1900" u="none" strike="noStrike" cap="none"/>
+                        <a:t>Decide to agree or override</a:t>
+                      </a:r>
+                      <a:endParaRPr/>
+                    </a:p>
+                  </a:txBody>
+                  <a:tcPr marL="121925" marR="121925" marT="60950" marB="60950"/>
+                </a:tc>
+                <a:tc>
+                  <a:txBody>
+                    <a:bodyPr/>
+                    <a:lstStyle/>
+                    <a:p>
+                      <a:pPr marL="0" marR="0" lvl="0" indent="0" algn="l" rtl="0">
+                        <a:lnSpc>
+                          <a:spcPct val="100000"/>
+                        </a:lnSpc>
+                        <a:spcBef>
+                          <a:spcPts val="0"/>
+                        </a:spcBef>
+                        <a:spcAft>
+                          <a:spcPts val="0"/>
+                        </a:spcAft>
+                        <a:buNone/>
+                      </a:pPr>
+                      <a:r>
+                        <a:rPr lang="en-US" sz="1900" u="none" strike="noStrike" cap="none"/>
+                        <a:t>Local</a:t>
+                      </a:r>
+                      <a:endParaRPr/>
+                    </a:p>
+                  </a:txBody>
+                  <a:tcPr marL="121925" marR="121925" marT="60950" marB="60950"/>
+                </a:tc>
+                <a:extLst>
+                  <a:ext uri="{0D108BD9-81ED-4DB2-BD59-A6C34878D82A}">
+                    <a16:rowId xmlns:a16="http://schemas.microsoft.com/office/drawing/2014/main" val="10002"/>
+                  </a:ext>
+                </a:extLst>
+              </a:tr>
+              <a:tr h="494450">
+                <a:tc>
+                  <a:txBody>
+                    <a:bodyPr/>
+                    <a:lstStyle/>
+                    <a:p>
+                      <a:pPr marL="0" marR="0" lvl="0" indent="0" algn="l" rtl="0">
+                        <a:lnSpc>
+                          <a:spcPct val="100000"/>
+                        </a:lnSpc>
+                        <a:spcBef>
+                          <a:spcPts val="0"/>
+                        </a:spcBef>
+                        <a:spcAft>
+                          <a:spcPts val="0"/>
+                        </a:spcAft>
+                        <a:buNone/>
+                      </a:pPr>
+                      <a:r>
+                        <a:rPr lang="en-US" sz="1900" u="none" strike="noStrike" cap="none"/>
+                        <a:t>Trust</a:t>
+                      </a:r>
+                      <a:endParaRPr/>
+                    </a:p>
+                  </a:txBody>
+                  <a:tcPr marL="121925" marR="121925" marT="60950" marB="60950"/>
+                </a:tc>
+                <a:tc>
+                  <a:txBody>
+                    <a:bodyPr/>
+                    <a:lstStyle/>
+                    <a:p>
+                      <a:pPr marL="0" marR="0" lvl="0" indent="0" algn="l" rtl="0">
+                        <a:lnSpc>
+                          <a:spcPct val="100000"/>
+                        </a:lnSpc>
+                        <a:spcBef>
+                          <a:spcPts val="0"/>
+                        </a:spcBef>
+                        <a:spcAft>
+                          <a:spcPts val="0"/>
+                        </a:spcAft>
+                        <a:buNone/>
+                      </a:pPr>
+                      <a:r>
+                        <a:rPr lang="en-US" sz="1900" u="none" strike="noStrike" cap="none"/>
+                        <a:t>Policymaker/Action-Taker</a:t>
+                      </a:r>
+                      <a:endParaRPr/>
+                    </a:p>
+                  </a:txBody>
+                  <a:tcPr marL="121925" marR="121925" marT="60950" marB="60950"/>
+                </a:tc>
+                <a:tc>
+                  <a:txBody>
+                    <a:bodyPr/>
+                    <a:lstStyle/>
+                    <a:p>
+                      <a:pPr marL="0" marR="0" lvl="0" indent="0" algn="l" rtl="0">
+                        <a:lnSpc>
+                          <a:spcPct val="100000"/>
+                        </a:lnSpc>
+                        <a:spcBef>
+                          <a:spcPts val="0"/>
+                        </a:spcBef>
+                        <a:spcAft>
+                          <a:spcPts val="0"/>
+                        </a:spcAft>
+                        <a:buNone/>
+                      </a:pPr>
+                      <a:r>
+                        <a:rPr lang="en-US" sz="1900"/>
+                        <a:t>Model use =&gt; better outcomes</a:t>
+                      </a:r>
+                      <a:endParaRPr sz="1900" u="none" strike="noStrike" cap="none"/>
+                    </a:p>
+                  </a:txBody>
+                  <a:tcPr marL="121925" marR="121925" marT="60950" marB="60950"/>
+                </a:tc>
+                <a:tc>
+                  <a:txBody>
+                    <a:bodyPr/>
+                    <a:lstStyle/>
+                    <a:p>
+                      <a:pPr marL="0" marR="0" lvl="0" indent="0" algn="l" rtl="0">
+                        <a:lnSpc>
+                          <a:spcPct val="100000"/>
+                        </a:lnSpc>
+                        <a:spcBef>
+                          <a:spcPts val="0"/>
+                        </a:spcBef>
+                        <a:spcAft>
+                          <a:spcPts val="0"/>
+                        </a:spcAft>
+                        <a:buNone/>
+                      </a:pPr>
+                      <a:r>
+                        <a:rPr lang="en-US" sz="1900" u="none" strike="noStrike" cap="none"/>
+                        <a:t>Both</a:t>
+                      </a:r>
+                      <a:endParaRPr/>
+                    </a:p>
+                  </a:txBody>
+                  <a:tcPr marL="121925" marR="121925" marT="60950" marB="60950"/>
+                </a:tc>
+                <a:extLst>
+                  <a:ext uri="{0D108BD9-81ED-4DB2-BD59-A6C34878D82A}">
+                    <a16:rowId xmlns:a16="http://schemas.microsoft.com/office/drawing/2014/main" val="10003"/>
+                  </a:ext>
+                </a:extLst>
+              </a:tr>
+              <a:tr h="494450">
+                <a:tc>
+                  <a:txBody>
+                    <a:bodyPr/>
+                    <a:lstStyle/>
+                    <a:p>
+                      <a:pPr marL="0" marR="0" lvl="0" indent="0" algn="l" rtl="0">
+                        <a:lnSpc>
+                          <a:spcPct val="100000"/>
+                        </a:lnSpc>
+                        <a:spcBef>
+                          <a:spcPts val="0"/>
+                        </a:spcBef>
+                        <a:spcAft>
+                          <a:spcPts val="0"/>
+                        </a:spcAft>
+                        <a:buNone/>
+                      </a:pPr>
+                      <a:r>
+                        <a:rPr lang="en-US" sz="1900" u="none" strike="noStrike" cap="none"/>
+                        <a:t>Interventions</a:t>
+                      </a:r>
+                      <a:endParaRPr/>
+                    </a:p>
+                  </a:txBody>
+                  <a:tcPr marL="121925" marR="121925" marT="60950" marB="60950"/>
+                </a:tc>
+                <a:tc>
+                  <a:txBody>
+                    <a:bodyPr/>
+                    <a:lstStyle/>
+                    <a:p>
+                      <a:pPr marL="0" marR="0" lvl="0" indent="0" algn="l" rtl="0">
+                        <a:lnSpc>
+                          <a:spcPct val="100000"/>
+                        </a:lnSpc>
+                        <a:spcBef>
+                          <a:spcPts val="0"/>
+                        </a:spcBef>
+                        <a:spcAft>
+                          <a:spcPts val="0"/>
+                        </a:spcAft>
+                        <a:buNone/>
+                      </a:pPr>
+                      <a:r>
+                        <a:rPr lang="en-US" sz="1900" u="none" strike="noStrike" cap="none"/>
+                        <a:t>Action-Taker</a:t>
+                      </a:r>
+                      <a:endParaRPr/>
+                    </a:p>
+                  </a:txBody>
+                  <a:tcPr marL="121925" marR="121925" marT="60950" marB="60950"/>
+                </a:tc>
+                <a:tc>
+                  <a:txBody>
+                    <a:bodyPr/>
+                    <a:lstStyle/>
+                    <a:p>
+                      <a:pPr marL="0" marR="0" lvl="0" indent="0" algn="l" rtl="0">
+                        <a:lnSpc>
+                          <a:spcPct val="100000"/>
+                        </a:lnSpc>
+                        <a:spcBef>
+                          <a:spcPts val="0"/>
+                        </a:spcBef>
+                        <a:spcAft>
+                          <a:spcPts val="0"/>
+                        </a:spcAft>
+                        <a:buNone/>
+                      </a:pPr>
+                      <a:r>
+                        <a:rPr lang="en-US" sz="1900"/>
+                        <a:t>Improve outcomes</a:t>
+                      </a:r>
+                      <a:endParaRPr sz="1900" u="none" strike="noStrike" cap="none"/>
+                    </a:p>
+                  </a:txBody>
+                  <a:tcPr marL="121925" marR="121925" marT="60950" marB="60950"/>
+                </a:tc>
+                <a:tc>
+                  <a:txBody>
+                    <a:bodyPr/>
+                    <a:lstStyle/>
+                    <a:p>
+                      <a:pPr marL="0" marR="0" lvl="0" indent="0" algn="l" rtl="0">
+                        <a:lnSpc>
+                          <a:spcPct val="100000"/>
+                        </a:lnSpc>
+                        <a:spcBef>
+                          <a:spcPts val="0"/>
+                        </a:spcBef>
+                        <a:spcAft>
+                          <a:spcPts val="0"/>
+                        </a:spcAft>
+                        <a:buNone/>
+                      </a:pPr>
+                      <a:r>
+                        <a:rPr lang="en-US" sz="1900" u="none" strike="noStrike" cap="none"/>
+                        <a:t>Local</a:t>
+                      </a:r>
+                      <a:endParaRPr/>
+                    </a:p>
+                  </a:txBody>
+                  <a:tcPr marL="121925" marR="121925" marT="60950" marB="60950"/>
+                </a:tc>
+                <a:extLst>
+                  <a:ext uri="{0D108BD9-81ED-4DB2-BD59-A6C34878D82A}">
+                    <a16:rowId xmlns:a16="http://schemas.microsoft.com/office/drawing/2014/main" val="10004"/>
+                  </a:ext>
+                </a:extLst>
+              </a:tr>
+              <a:tr h="494450">
+                <a:tc>
+                  <a:txBody>
+                    <a:bodyPr/>
+                    <a:lstStyle/>
+                    <a:p>
+                      <a:pPr marL="0" marR="0" lvl="0" indent="0" algn="l" rtl="0">
+                        <a:lnSpc>
+                          <a:spcPct val="100000"/>
+                        </a:lnSpc>
+                        <a:spcBef>
+                          <a:spcPts val="0"/>
+                        </a:spcBef>
+                        <a:spcAft>
+                          <a:spcPts val="0"/>
+                        </a:spcAft>
+                        <a:buNone/>
+                      </a:pPr>
+                      <a:r>
+                        <a:rPr lang="en-US" sz="1900" u="none" strike="noStrike" cap="none"/>
+                        <a:t>Recourse</a:t>
+                      </a:r>
+                      <a:endParaRPr/>
+                    </a:p>
+                  </a:txBody>
+                  <a:tcPr marL="121925" marR="121925" marT="60950" marB="60950"/>
+                </a:tc>
+                <a:tc>
+                  <a:txBody>
+                    <a:bodyPr/>
+                    <a:lstStyle/>
+                    <a:p>
+                      <a:pPr marL="0" marR="0" lvl="0" indent="0" algn="l" rtl="0">
+                        <a:lnSpc>
+                          <a:spcPct val="100000"/>
+                        </a:lnSpc>
+                        <a:spcBef>
+                          <a:spcPts val="0"/>
+                        </a:spcBef>
+                        <a:spcAft>
+                          <a:spcPts val="0"/>
+                        </a:spcAft>
+                        <a:buNone/>
+                      </a:pPr>
+                      <a:r>
+                        <a:rPr lang="en-US" sz="1900" u="none" strike="noStrike" cap="none"/>
+                        <a:t>Individual affected</a:t>
+                      </a:r>
+                      <a:endParaRPr/>
+                    </a:p>
+                  </a:txBody>
+                  <a:tcPr marL="121925" marR="121925" marT="60950" marB="60950"/>
+                </a:tc>
+                <a:tc>
+                  <a:txBody>
+                    <a:bodyPr/>
+                    <a:lstStyle/>
+                    <a:p>
+                      <a:pPr marL="0" marR="0" lvl="0" indent="0" algn="l" rtl="0">
+                        <a:lnSpc>
+                          <a:spcPct val="100000"/>
+                        </a:lnSpc>
+                        <a:spcBef>
+                          <a:spcPts val="0"/>
+                        </a:spcBef>
+                        <a:spcAft>
+                          <a:spcPts val="0"/>
+                        </a:spcAft>
+                        <a:buNone/>
+                      </a:pPr>
+                      <a:r>
+                        <a:rPr lang="en-US" sz="1900" u="none" strike="noStrike" cap="none"/>
+                        <a:t>Recourse</a:t>
+                      </a:r>
+                      <a:endParaRPr/>
+                    </a:p>
+                  </a:txBody>
+                  <a:tcPr marL="121925" marR="121925" marT="60950" marB="60950"/>
+                </a:tc>
+                <a:tc>
+                  <a:txBody>
+                    <a:bodyPr/>
+                    <a:lstStyle/>
+                    <a:p>
+                      <a:pPr marL="0" marR="0" lvl="0" indent="0" algn="l" rtl="0">
+                        <a:lnSpc>
+                          <a:spcPct val="100000"/>
+                        </a:lnSpc>
+                        <a:spcBef>
+                          <a:spcPts val="0"/>
+                        </a:spcBef>
+                        <a:spcAft>
+                          <a:spcPts val="0"/>
+                        </a:spcAft>
+                        <a:buNone/>
+                      </a:pPr>
+                      <a:r>
+                        <a:rPr lang="en-US" sz="1900" u="none" strike="noStrike" cap="none"/>
+                        <a:t>Local</a:t>
+                      </a:r>
+                      <a:endParaRPr/>
+                    </a:p>
+                  </a:txBody>
+                  <a:tcPr marL="121925" marR="121925" marT="60950" marB="60950"/>
+                </a:tc>
+                <a:extLst>
+                  <a:ext uri="{0D108BD9-81ED-4DB2-BD59-A6C34878D82A}">
+                    <a16:rowId xmlns:a16="http://schemas.microsoft.com/office/drawing/2014/main" val="10005"/>
+                  </a:ext>
+                </a:extLst>
+              </a:tr>
+            </a:tbl>
+          </a:graphicData>
+        </a:graphic>
+      </p:graphicFrame>
+    </p:spTree>
+  </p:cSld>
+  <p:clrMapOvr>
+    <a:masterClrMapping/>
+  </p:clrMapOvr>
+</p:sld>
+</file>
+
 <file path=ppt/theme/theme1.xml><?xml version="1.0" encoding="utf-8"?>
 <a:theme xmlns:a="http://schemas.openxmlformats.org/drawingml/2006/main" name="Simple Light">
   <a:themeElements>

--- a/11 - Model Interpretability/Interpretability part 1.pptx
+++ b/11 - Model Interpretability/Interpretability part 1.pptx
@@ -9,7 +9,7 @@
   </p:notesMasterIdLst>
   <p:sldIdLst>
     <p:sldId id="256" r:id="rId2"/>
-    <p:sldId id="498" r:id="rId3"/>
+    <p:sldId id="515" r:id="rId3"/>
     <p:sldId id="318" r:id="rId4"/>
     <p:sldId id="323" r:id="rId5"/>
     <p:sldId id="259" r:id="rId6"/>
@@ -33,7 +33,7 @@
     <p:sldId id="278" r:id="rId24"/>
     <p:sldId id="279" r:id="rId25"/>
     <p:sldId id="280" r:id="rId26"/>
-    <p:sldId id="499" r:id="rId27"/>
+    <p:sldId id="516" r:id="rId27"/>
   </p:sldIdLst>
   <p:sldSz cx="12192000" cy="6858000"/>
   <p:notesSz cx="6858000" cy="9144000"/>
@@ -271,7 +271,7 @@
       <p15:sldGuideLst xmlns:p15="http://schemas.microsoft.com/office/powerpoint/2012/main"/>
     </p:ext>
     <p:ext uri="http://customooxmlschemas.google.com/">
-      <go:slidesCustomData xmlns="" xmlns:mc="http://schemas.openxmlformats.org/markup-compatibility/2006" xmlns:mv="urn:schemas-microsoft-com:mac:vml" xmlns:c="http://schemas.openxmlformats.org/drawingml/2006/chart" xmlns:dgm="http://schemas.openxmlformats.org/drawingml/2006/diagram" xmlns:o="urn:schemas-microsoft-com:office:office" xmlns:v="urn:schemas-microsoft-com:vml" xmlns:pvml="urn:schemas-microsoft-com:office:powerpoint" xmlns:com="http://schemas.openxmlformats.org/drawingml/2006/compatibility" xmlns:p14="http://schemas.microsoft.com/office/powerpoint/2010/main" xmlns:p15="http://schemas.microsoft.com/office/powerpoint/2012/main" xmlns:go="http://customooxmlschemas.google.com/" r:id="rId32" roundtripDataSignature="AMtx7mhE+28Dr6x2pr2JNXfuZKhsL7KtRg=="/>
+      <go:slidesCustomData xmlns:go="http://customooxmlschemas.google.com/" xmlns:p15="http://schemas.microsoft.com/office/powerpoint/2012/main" xmlns:p14="http://schemas.microsoft.com/office/powerpoint/2010/main" xmlns:com="http://schemas.openxmlformats.org/drawingml/2006/compatibility" xmlns:pvml="urn:schemas-microsoft-com:office:powerpoint" xmlns:v="urn:schemas-microsoft-com:vml" xmlns:o="urn:schemas-microsoft-com:office:office" xmlns:dgm="http://schemas.openxmlformats.org/drawingml/2006/diagram" xmlns:c="http://schemas.openxmlformats.org/drawingml/2006/chart" xmlns:mv="urn:schemas-microsoft-com:mac:vml" xmlns:mc="http://schemas.openxmlformats.org/markup-compatibility/2006" xmlns="" r:id="rId32" roundtripDataSignature="AMtx7mhE+28Dr6x2pr2JNXfuZKhsL7KtRg=="/>
     </p:ext>
   </p:extLst>
 </p:presentation>
@@ -17882,6 +17882,12 @@
             <a:endParaRPr lang="en-US" dirty="0"/>
           </a:p>
           <a:p>
+            <a:r>
+              <a:rPr lang="en-US" dirty="0"/>
+              <a:t>Wednesday team check-ins</a:t>
+            </a:r>
+          </a:p>
+          <a:p>
             <a:pPr marL="76200" indent="0">
               <a:buNone/>
             </a:pPr>
@@ -17894,6 +17900,18 @@
             <a:r>
               <a:rPr lang="en-US" b="1" dirty="0"/>
               <a:t>Coming up next week:</a:t>
+            </a:r>
+          </a:p>
+          <a:p>
+            <a:r>
+              <a:rPr lang="en-US" dirty="0"/>
+              <a:t>Monday: Update 7 (on Canvas): ML Results Over Time</a:t>
+            </a:r>
+          </a:p>
+          <a:p>
+            <a:r>
+              <a:rPr lang="en-US" dirty="0"/>
+              <a:t>Tuesday: Feedback Form</a:t>
             </a:r>
           </a:p>
         </p:txBody>
@@ -17901,7 +17919,7 @@
     </p:spTree>
     <p:extLst>
       <p:ext uri="{BB962C8B-B14F-4D97-AF65-F5344CB8AC3E}">
-        <p14:creationId xmlns:p14="http://schemas.microsoft.com/office/powerpoint/2010/main" val="2772368304"/>
+        <p14:creationId xmlns:p14="http://schemas.microsoft.com/office/powerpoint/2010/main" val="545007648"/>
       </p:ext>
     </p:extLst>
   </p:cSld>
@@ -18776,16 +18794,16 @@
             <a:endParaRPr lang="en-US" dirty="0"/>
           </a:p>
           <a:p>
-            <a:pPr marL="76200" indent="0">
-              <a:buNone/>
-            </a:pPr>
-            <a:endParaRPr lang="en-US" b="1" dirty="0"/>
+            <a:r>
+              <a:rPr lang="en-US" dirty="0"/>
+              <a:t>Wednesday team check-ins</a:t>
+            </a:r>
           </a:p>
           <a:p>
             <a:pPr marL="76200" indent="0">
               <a:buNone/>
             </a:pPr>
-            <a:endParaRPr lang="en-US" b="1" dirty="0"/>
+            <a:endParaRPr lang="en-US" dirty="0"/>
           </a:p>
           <a:p>
             <a:pPr marL="76200" indent="0">
@@ -18794,6 +18812,18 @@
             <a:r>
               <a:rPr lang="en-US" b="1" dirty="0"/>
               <a:t>Coming up next week:</a:t>
+            </a:r>
+          </a:p>
+          <a:p>
+            <a:r>
+              <a:rPr lang="en-US" dirty="0"/>
+              <a:t>Monday: Update 7 (on Canvas): ML Results Over Time</a:t>
+            </a:r>
+          </a:p>
+          <a:p>
+            <a:r>
+              <a:rPr lang="en-US" dirty="0"/>
+              <a:t>Tuesday: Feedback Form</a:t>
             </a:r>
           </a:p>
         </p:txBody>
@@ -18801,7 +18831,7 @@
     </p:spTree>
     <p:extLst>
       <p:ext uri="{BB962C8B-B14F-4D97-AF65-F5344CB8AC3E}">
-        <p14:creationId xmlns:p14="http://schemas.microsoft.com/office/powerpoint/2010/main" val="379746595"/>
+        <p14:creationId xmlns:p14="http://schemas.microsoft.com/office/powerpoint/2010/main" val="4047923461"/>
       </p:ext>
     </p:extLst>
   </p:cSld>
